--- a/RaciocinioAlgoritmico/Tópico 01 - Introdução/Tópico 01 - Introdução.pptx
+++ b/RaciocinioAlgoritmico/Tópico 01 - Introdução/Tópico 01 - Introdução.pptx
@@ -37,7 +37,6 @@
     <p:sldId id="278" r:id="rId30"/>
     <p:sldId id="279" r:id="rId31"/>
     <p:sldId id="280" r:id="rId32"/>
-    <p:sldId id="281" r:id="rId33"/>
   </p:sldIdLst>
   <p:sldSz cx="10080625" cy="7559675"/>
   <p:notesSz cx="7559675" cy="10691813"/>
@@ -321,7 +320,7 @@
             <a:pPr algn="r">
               <a:buNone/>
             </a:pPr>
-            <a:fld id="{D83C478A-C2AC-4891-8FBC-AD2DFFAEE839}" type="slidenum">
+            <a:fld id="{0B0E25F5-3903-4519-944A-597904312C3D}" type="slidenum">
               <a:rPr b="0" lang="pt-BR" sz="1400" spc="-1" strike="noStrike">
                 <a:latin typeface="Times New Roman"/>
               </a:rPr>
@@ -358,7 +357,7 @@
       </p:grpSpPr>
       <p:sp>
         <p:nvSpPr>
-          <p:cNvPr id="364" name="PlaceHolder 1"/>
+          <p:cNvPr id="360" name="PlaceHolder 1"/>
           <p:cNvSpPr>
             <a:spLocks noGrp="1"/>
           </p:cNvSpPr>
@@ -369,19 +368,19 @@
         <p:spPr>
           <a:xfrm>
             <a:off x="1376280" y="1336680"/>
-            <a:ext cx="4798440" cy="3598200"/>
-          </a:xfrm>
-          <a:prstGeom prst="rect">
-            <a:avLst/>
-          </a:prstGeom>
-          <a:ln w="0">
-            <a:noFill/>
-          </a:ln>
-        </p:spPr>
-      </p:sp>
-      <p:sp>
-        <p:nvSpPr>
-          <p:cNvPr id="365" name="PlaceHolder 2"/>
+            <a:ext cx="4798080" cy="3597840"/>
+          </a:xfrm>
+          <a:prstGeom prst="rect">
+            <a:avLst/>
+          </a:prstGeom>
+          <a:ln w="0">
+            <a:noFill/>
+          </a:ln>
+        </p:spPr>
+      </p:sp>
+      <p:sp>
+        <p:nvSpPr>
+          <p:cNvPr id="361" name="PlaceHolder 2"/>
           <p:cNvSpPr>
             <a:spLocks noGrp="1"/>
           </p:cNvSpPr>
@@ -392,7 +391,7 @@
         <p:spPr>
           <a:xfrm>
             <a:off x="756000" y="5145120"/>
-            <a:ext cx="6037920" cy="4200120"/>
+            <a:ext cx="6037560" cy="4199760"/>
           </a:xfrm>
           <a:prstGeom prst="rect">
             <a:avLst/>
@@ -415,14 +414,14 @@
       </p:sp>
       <p:sp>
         <p:nvSpPr>
-          <p:cNvPr id="366" name="CustomShape 3"/>
+          <p:cNvPr id="362" name="CustomShape 3"/>
           <p:cNvSpPr/>
           <p:nvPr/>
         </p:nvSpPr>
         <p:spPr>
           <a:xfrm>
             <a:off x="0" y="10155240"/>
-            <a:ext cx="3266280" cy="526680"/>
+            <a:ext cx="3265920" cy="526320"/>
           </a:xfrm>
           <a:prstGeom prst="rect">
             <a:avLst/>
@@ -489,7 +488,7 @@
       </p:grpSpPr>
       <p:sp>
         <p:nvSpPr>
-          <p:cNvPr id="391" name="PlaceHolder 1"/>
+          <p:cNvPr id="387" name="PlaceHolder 1"/>
           <p:cNvSpPr>
             <a:spLocks noGrp="1"/>
           </p:cNvSpPr>
@@ -500,19 +499,19 @@
         <p:spPr>
           <a:xfrm>
             <a:off x="1376280" y="1336680"/>
-            <a:ext cx="4798440" cy="3598200"/>
-          </a:xfrm>
-          <a:prstGeom prst="rect">
-            <a:avLst/>
-          </a:prstGeom>
-          <a:ln w="0">
-            <a:noFill/>
-          </a:ln>
-        </p:spPr>
-      </p:sp>
-      <p:sp>
-        <p:nvSpPr>
-          <p:cNvPr id="392" name="PlaceHolder 2"/>
+            <a:ext cx="4798080" cy="3597840"/>
+          </a:xfrm>
+          <a:prstGeom prst="rect">
+            <a:avLst/>
+          </a:prstGeom>
+          <a:ln w="0">
+            <a:noFill/>
+          </a:ln>
+        </p:spPr>
+      </p:sp>
+      <p:sp>
+        <p:nvSpPr>
+          <p:cNvPr id="388" name="PlaceHolder 2"/>
           <p:cNvSpPr>
             <a:spLocks noGrp="1"/>
           </p:cNvSpPr>
@@ -523,7 +522,7 @@
         <p:spPr>
           <a:xfrm>
             <a:off x="756000" y="5145120"/>
-            <a:ext cx="6037920" cy="4200120"/>
+            <a:ext cx="6037560" cy="4199760"/>
           </a:xfrm>
           <a:prstGeom prst="rect">
             <a:avLst/>
@@ -546,14 +545,14 @@
       </p:sp>
       <p:sp>
         <p:nvSpPr>
-          <p:cNvPr id="393" name="CustomShape 3"/>
+          <p:cNvPr id="389" name="CustomShape 3"/>
           <p:cNvSpPr/>
           <p:nvPr/>
         </p:nvSpPr>
         <p:spPr>
           <a:xfrm>
             <a:off x="0" y="10155240"/>
-            <a:ext cx="3266280" cy="526680"/>
+            <a:ext cx="3265920" cy="526320"/>
           </a:xfrm>
           <a:prstGeom prst="rect">
             <a:avLst/>
@@ -620,7 +619,7 @@
       </p:grpSpPr>
       <p:sp>
         <p:nvSpPr>
-          <p:cNvPr id="394" name="PlaceHolder 1"/>
+          <p:cNvPr id="390" name="PlaceHolder 1"/>
           <p:cNvSpPr>
             <a:spLocks noGrp="1"/>
           </p:cNvSpPr>
@@ -631,19 +630,19 @@
         <p:spPr>
           <a:xfrm>
             <a:off x="1376280" y="1336680"/>
-            <a:ext cx="4798080" cy="3597840"/>
-          </a:xfrm>
-          <a:prstGeom prst="rect">
-            <a:avLst/>
-          </a:prstGeom>
-          <a:ln w="0">
-            <a:noFill/>
-          </a:ln>
-        </p:spPr>
-      </p:sp>
-      <p:sp>
-        <p:nvSpPr>
-          <p:cNvPr id="395" name="PlaceHolder 2"/>
+            <a:ext cx="4797720" cy="3597480"/>
+          </a:xfrm>
+          <a:prstGeom prst="rect">
+            <a:avLst/>
+          </a:prstGeom>
+          <a:ln w="0">
+            <a:noFill/>
+          </a:ln>
+        </p:spPr>
+      </p:sp>
+      <p:sp>
+        <p:nvSpPr>
+          <p:cNvPr id="391" name="PlaceHolder 2"/>
           <p:cNvSpPr>
             <a:spLocks noGrp="1"/>
           </p:cNvSpPr>
@@ -654,7 +653,7 @@
         <p:spPr>
           <a:xfrm>
             <a:off x="756000" y="5145120"/>
-            <a:ext cx="6037560" cy="4199760"/>
+            <a:ext cx="6037200" cy="4199400"/>
           </a:xfrm>
           <a:prstGeom prst="rect">
             <a:avLst/>
@@ -677,14 +676,14 @@
       </p:sp>
       <p:sp>
         <p:nvSpPr>
-          <p:cNvPr id="396" name="CustomShape 26"/>
+          <p:cNvPr id="392" name="CustomShape 26"/>
           <p:cNvSpPr/>
           <p:nvPr/>
         </p:nvSpPr>
         <p:spPr>
           <a:xfrm>
             <a:off x="0" y="10155240"/>
-            <a:ext cx="3265920" cy="526320"/>
+            <a:ext cx="3265560" cy="525960"/>
           </a:xfrm>
           <a:prstGeom prst="rect">
             <a:avLst/>
@@ -751,7 +750,7 @@
       </p:grpSpPr>
       <p:sp>
         <p:nvSpPr>
-          <p:cNvPr id="397" name="PlaceHolder 1"/>
+          <p:cNvPr id="393" name="PlaceHolder 1"/>
           <p:cNvSpPr>
             <a:spLocks noGrp="1"/>
           </p:cNvSpPr>
@@ -762,19 +761,19 @@
         <p:spPr>
           <a:xfrm>
             <a:off x="1376280" y="1336680"/>
-            <a:ext cx="4798080" cy="3597840"/>
-          </a:xfrm>
-          <a:prstGeom prst="rect">
-            <a:avLst/>
-          </a:prstGeom>
-          <a:ln w="0">
-            <a:noFill/>
-          </a:ln>
-        </p:spPr>
-      </p:sp>
-      <p:sp>
-        <p:nvSpPr>
-          <p:cNvPr id="398" name="PlaceHolder 2"/>
+            <a:ext cx="4797720" cy="3597480"/>
+          </a:xfrm>
+          <a:prstGeom prst="rect">
+            <a:avLst/>
+          </a:prstGeom>
+          <a:ln w="0">
+            <a:noFill/>
+          </a:ln>
+        </p:spPr>
+      </p:sp>
+      <p:sp>
+        <p:nvSpPr>
+          <p:cNvPr id="394" name="PlaceHolder 2"/>
           <p:cNvSpPr>
             <a:spLocks noGrp="1"/>
           </p:cNvSpPr>
@@ -785,7 +784,7 @@
         <p:spPr>
           <a:xfrm>
             <a:off x="756000" y="5145120"/>
-            <a:ext cx="6037560" cy="4199760"/>
+            <a:ext cx="6037200" cy="4199400"/>
           </a:xfrm>
           <a:prstGeom prst="rect">
             <a:avLst/>
@@ -808,14 +807,14 @@
       </p:sp>
       <p:sp>
         <p:nvSpPr>
-          <p:cNvPr id="399" name="CustomShape 31"/>
+          <p:cNvPr id="395" name="CustomShape 31"/>
           <p:cNvSpPr/>
           <p:nvPr/>
         </p:nvSpPr>
         <p:spPr>
           <a:xfrm>
             <a:off x="0" y="10155240"/>
-            <a:ext cx="3265920" cy="526320"/>
+            <a:ext cx="3265560" cy="525960"/>
           </a:xfrm>
           <a:prstGeom prst="rect">
             <a:avLst/>
@@ -882,7 +881,7 @@
       </p:grpSpPr>
       <p:sp>
         <p:nvSpPr>
-          <p:cNvPr id="400" name="PlaceHolder 1"/>
+          <p:cNvPr id="396" name="PlaceHolder 1"/>
           <p:cNvSpPr>
             <a:spLocks noGrp="1"/>
           </p:cNvSpPr>
@@ -893,19 +892,19 @@
         <p:spPr>
           <a:xfrm>
             <a:off x="1376280" y="1336680"/>
-            <a:ext cx="4798080" cy="3597840"/>
-          </a:xfrm>
-          <a:prstGeom prst="rect">
-            <a:avLst/>
-          </a:prstGeom>
-          <a:ln w="0">
-            <a:noFill/>
-          </a:ln>
-        </p:spPr>
-      </p:sp>
-      <p:sp>
-        <p:nvSpPr>
-          <p:cNvPr id="401" name="PlaceHolder 2"/>
+            <a:ext cx="4797720" cy="3597480"/>
+          </a:xfrm>
+          <a:prstGeom prst="rect">
+            <a:avLst/>
+          </a:prstGeom>
+          <a:ln w="0">
+            <a:noFill/>
+          </a:ln>
+        </p:spPr>
+      </p:sp>
+      <p:sp>
+        <p:nvSpPr>
+          <p:cNvPr id="397" name="PlaceHolder 2"/>
           <p:cNvSpPr>
             <a:spLocks noGrp="1"/>
           </p:cNvSpPr>
@@ -916,7 +915,7 @@
         <p:spPr>
           <a:xfrm>
             <a:off x="756000" y="5145120"/>
-            <a:ext cx="6037560" cy="4199760"/>
+            <a:ext cx="6037200" cy="4199400"/>
           </a:xfrm>
           <a:prstGeom prst="rect">
             <a:avLst/>
@@ -939,14 +938,14 @@
       </p:sp>
       <p:sp>
         <p:nvSpPr>
-          <p:cNvPr id="402" name="CustomShape 36"/>
+          <p:cNvPr id="398" name="CustomShape 36"/>
           <p:cNvSpPr/>
           <p:nvPr/>
         </p:nvSpPr>
         <p:spPr>
           <a:xfrm>
             <a:off x="0" y="10155240"/>
-            <a:ext cx="3265920" cy="526320"/>
+            <a:ext cx="3265560" cy="525960"/>
           </a:xfrm>
           <a:prstGeom prst="rect">
             <a:avLst/>
@@ -1013,7 +1012,7 @@
       </p:grpSpPr>
       <p:sp>
         <p:nvSpPr>
-          <p:cNvPr id="403" name="PlaceHolder 1"/>
+          <p:cNvPr id="399" name="PlaceHolder 1"/>
           <p:cNvSpPr>
             <a:spLocks noGrp="1"/>
           </p:cNvSpPr>
@@ -1024,19 +1023,19 @@
         <p:spPr>
           <a:xfrm>
             <a:off x="1376280" y="1336680"/>
-            <a:ext cx="4798080" cy="3597840"/>
-          </a:xfrm>
-          <a:prstGeom prst="rect">
-            <a:avLst/>
-          </a:prstGeom>
-          <a:ln w="0">
-            <a:noFill/>
-          </a:ln>
-        </p:spPr>
-      </p:sp>
-      <p:sp>
-        <p:nvSpPr>
-          <p:cNvPr id="404" name="PlaceHolder 2"/>
+            <a:ext cx="4797720" cy="3597480"/>
+          </a:xfrm>
+          <a:prstGeom prst="rect">
+            <a:avLst/>
+          </a:prstGeom>
+          <a:ln w="0">
+            <a:noFill/>
+          </a:ln>
+        </p:spPr>
+      </p:sp>
+      <p:sp>
+        <p:nvSpPr>
+          <p:cNvPr id="400" name="PlaceHolder 2"/>
           <p:cNvSpPr>
             <a:spLocks noGrp="1"/>
           </p:cNvSpPr>
@@ -1047,7 +1046,7 @@
         <p:spPr>
           <a:xfrm>
             <a:off x="756000" y="5145120"/>
-            <a:ext cx="6037560" cy="4199760"/>
+            <a:ext cx="6037200" cy="4199400"/>
           </a:xfrm>
           <a:prstGeom prst="rect">
             <a:avLst/>
@@ -1070,14 +1069,14 @@
       </p:sp>
       <p:sp>
         <p:nvSpPr>
-          <p:cNvPr id="405" name="CustomShape 98"/>
+          <p:cNvPr id="401" name="CustomShape 98"/>
           <p:cNvSpPr/>
           <p:nvPr/>
         </p:nvSpPr>
         <p:spPr>
           <a:xfrm>
             <a:off x="0" y="10155240"/>
-            <a:ext cx="3265920" cy="526320"/>
+            <a:ext cx="3265560" cy="525960"/>
           </a:xfrm>
           <a:prstGeom prst="rect">
             <a:avLst/>
@@ -1144,7 +1143,7 @@
       </p:grpSpPr>
       <p:sp>
         <p:nvSpPr>
-          <p:cNvPr id="406" name="PlaceHolder 1"/>
+          <p:cNvPr id="402" name="PlaceHolder 1"/>
           <p:cNvSpPr>
             <a:spLocks noGrp="1"/>
           </p:cNvSpPr>
@@ -1155,19 +1154,19 @@
         <p:spPr>
           <a:xfrm>
             <a:off x="1376280" y="1336680"/>
-            <a:ext cx="4798440" cy="3598200"/>
-          </a:xfrm>
-          <a:prstGeom prst="rect">
-            <a:avLst/>
-          </a:prstGeom>
-          <a:ln w="0">
-            <a:noFill/>
-          </a:ln>
-        </p:spPr>
-      </p:sp>
-      <p:sp>
-        <p:nvSpPr>
-          <p:cNvPr id="407" name="PlaceHolder 2"/>
+            <a:ext cx="4798080" cy="3597840"/>
+          </a:xfrm>
+          <a:prstGeom prst="rect">
+            <a:avLst/>
+          </a:prstGeom>
+          <a:ln w="0">
+            <a:noFill/>
+          </a:ln>
+        </p:spPr>
+      </p:sp>
+      <p:sp>
+        <p:nvSpPr>
+          <p:cNvPr id="403" name="PlaceHolder 2"/>
           <p:cNvSpPr>
             <a:spLocks noGrp="1"/>
           </p:cNvSpPr>
@@ -1178,7 +1177,7 @@
         <p:spPr>
           <a:xfrm>
             <a:off x="756000" y="5145120"/>
-            <a:ext cx="6037560" cy="4199760"/>
+            <a:ext cx="6037200" cy="4199400"/>
           </a:xfrm>
           <a:prstGeom prst="rect">
             <a:avLst/>
@@ -1201,14 +1200,14 @@
       </p:sp>
       <p:sp>
         <p:nvSpPr>
-          <p:cNvPr id="408" name="CustomShape 41"/>
+          <p:cNvPr id="404" name="CustomShape 41"/>
           <p:cNvSpPr/>
           <p:nvPr/>
         </p:nvSpPr>
         <p:spPr>
           <a:xfrm>
             <a:off x="0" y="10155240"/>
-            <a:ext cx="3265920" cy="526320"/>
+            <a:ext cx="3265560" cy="525960"/>
           </a:xfrm>
           <a:prstGeom prst="rect">
             <a:avLst/>
@@ -1275,7 +1274,7 @@
       </p:grpSpPr>
       <p:sp>
         <p:nvSpPr>
-          <p:cNvPr id="409" name="PlaceHolder 1"/>
+          <p:cNvPr id="405" name="PlaceHolder 1"/>
           <p:cNvSpPr>
             <a:spLocks noGrp="1"/>
           </p:cNvSpPr>
@@ -1286,19 +1285,19 @@
         <p:spPr>
           <a:xfrm>
             <a:off x="1376280" y="1336680"/>
-            <a:ext cx="4798080" cy="3597840"/>
-          </a:xfrm>
-          <a:prstGeom prst="rect">
-            <a:avLst/>
-          </a:prstGeom>
-          <a:ln w="0">
-            <a:noFill/>
-          </a:ln>
-        </p:spPr>
-      </p:sp>
-      <p:sp>
-        <p:nvSpPr>
-          <p:cNvPr id="410" name="PlaceHolder 2"/>
+            <a:ext cx="4797720" cy="3597480"/>
+          </a:xfrm>
+          <a:prstGeom prst="rect">
+            <a:avLst/>
+          </a:prstGeom>
+          <a:ln w="0">
+            <a:noFill/>
+          </a:ln>
+        </p:spPr>
+      </p:sp>
+      <p:sp>
+        <p:nvSpPr>
+          <p:cNvPr id="406" name="PlaceHolder 2"/>
           <p:cNvSpPr>
             <a:spLocks noGrp="1"/>
           </p:cNvSpPr>
@@ -1309,7 +1308,7 @@
         <p:spPr>
           <a:xfrm>
             <a:off x="756000" y="5145120"/>
-            <a:ext cx="6037560" cy="4199760"/>
+            <a:ext cx="6037200" cy="4199400"/>
           </a:xfrm>
           <a:prstGeom prst="rect">
             <a:avLst/>
@@ -1332,14 +1331,14 @@
       </p:sp>
       <p:sp>
         <p:nvSpPr>
-          <p:cNvPr id="411" name="CustomShape 46"/>
+          <p:cNvPr id="407" name="CustomShape 46"/>
           <p:cNvSpPr/>
           <p:nvPr/>
         </p:nvSpPr>
         <p:spPr>
           <a:xfrm>
             <a:off x="0" y="10155240"/>
-            <a:ext cx="3265920" cy="526320"/>
+            <a:ext cx="3265560" cy="525960"/>
           </a:xfrm>
           <a:prstGeom prst="rect">
             <a:avLst/>
@@ -1406,7 +1405,7 @@
       </p:grpSpPr>
       <p:sp>
         <p:nvSpPr>
-          <p:cNvPr id="412" name="PlaceHolder 1"/>
+          <p:cNvPr id="408" name="PlaceHolder 1"/>
           <p:cNvSpPr>
             <a:spLocks noGrp="1"/>
           </p:cNvSpPr>
@@ -1417,19 +1416,19 @@
         <p:spPr>
           <a:xfrm>
             <a:off x="1376280" y="1336680"/>
-            <a:ext cx="4798080" cy="3597840"/>
-          </a:xfrm>
-          <a:prstGeom prst="rect">
-            <a:avLst/>
-          </a:prstGeom>
-          <a:ln w="0">
-            <a:noFill/>
-          </a:ln>
-        </p:spPr>
-      </p:sp>
-      <p:sp>
-        <p:nvSpPr>
-          <p:cNvPr id="413" name="PlaceHolder 2"/>
+            <a:ext cx="4797720" cy="3597480"/>
+          </a:xfrm>
+          <a:prstGeom prst="rect">
+            <a:avLst/>
+          </a:prstGeom>
+          <a:ln w="0">
+            <a:noFill/>
+          </a:ln>
+        </p:spPr>
+      </p:sp>
+      <p:sp>
+        <p:nvSpPr>
+          <p:cNvPr id="409" name="PlaceHolder 2"/>
           <p:cNvSpPr>
             <a:spLocks noGrp="1"/>
           </p:cNvSpPr>
@@ -1440,7 +1439,7 @@
         <p:spPr>
           <a:xfrm>
             <a:off x="756000" y="5145120"/>
-            <a:ext cx="6037560" cy="4199760"/>
+            <a:ext cx="6037200" cy="4199400"/>
           </a:xfrm>
           <a:prstGeom prst="rect">
             <a:avLst/>
@@ -1463,14 +1462,14 @@
       </p:sp>
       <p:sp>
         <p:nvSpPr>
-          <p:cNvPr id="414" name="CustomShape 51"/>
+          <p:cNvPr id="410" name="CustomShape 51"/>
           <p:cNvSpPr/>
           <p:nvPr/>
         </p:nvSpPr>
         <p:spPr>
           <a:xfrm>
             <a:off x="0" y="10155240"/>
-            <a:ext cx="3265920" cy="526320"/>
+            <a:ext cx="3265560" cy="525960"/>
           </a:xfrm>
           <a:prstGeom prst="rect">
             <a:avLst/>
@@ -1537,7 +1536,7 @@
       </p:grpSpPr>
       <p:sp>
         <p:nvSpPr>
-          <p:cNvPr id="415" name="PlaceHolder 1"/>
+          <p:cNvPr id="411" name="PlaceHolder 1"/>
           <p:cNvSpPr>
             <a:spLocks noGrp="1"/>
           </p:cNvSpPr>
@@ -1548,19 +1547,19 @@
         <p:spPr>
           <a:xfrm>
             <a:off x="1376280" y="1336680"/>
-            <a:ext cx="4798440" cy="3598200"/>
-          </a:xfrm>
-          <a:prstGeom prst="rect">
-            <a:avLst/>
-          </a:prstGeom>
-          <a:ln w="0">
-            <a:noFill/>
-          </a:ln>
-        </p:spPr>
-      </p:sp>
-      <p:sp>
-        <p:nvSpPr>
-          <p:cNvPr id="416" name="PlaceHolder 2"/>
+            <a:ext cx="4798080" cy="3597840"/>
+          </a:xfrm>
+          <a:prstGeom prst="rect">
+            <a:avLst/>
+          </a:prstGeom>
+          <a:ln w="0">
+            <a:noFill/>
+          </a:ln>
+        </p:spPr>
+      </p:sp>
+      <p:sp>
+        <p:nvSpPr>
+          <p:cNvPr id="412" name="PlaceHolder 2"/>
           <p:cNvSpPr>
             <a:spLocks noGrp="1"/>
           </p:cNvSpPr>
@@ -1571,7 +1570,7 @@
         <p:spPr>
           <a:xfrm>
             <a:off x="756000" y="5145120"/>
-            <a:ext cx="6037560" cy="4199760"/>
+            <a:ext cx="6037200" cy="4199400"/>
           </a:xfrm>
           <a:prstGeom prst="rect">
             <a:avLst/>
@@ -1594,14 +1593,14 @@
       </p:sp>
       <p:sp>
         <p:nvSpPr>
-          <p:cNvPr id="417" name="CustomShape 56"/>
+          <p:cNvPr id="413" name="CustomShape 56"/>
           <p:cNvSpPr/>
           <p:nvPr/>
         </p:nvSpPr>
         <p:spPr>
           <a:xfrm>
             <a:off x="0" y="10155240"/>
-            <a:ext cx="3265920" cy="526320"/>
+            <a:ext cx="3265560" cy="525960"/>
           </a:xfrm>
           <a:prstGeom prst="rect">
             <a:avLst/>
@@ -1668,7 +1667,7 @@
       </p:grpSpPr>
       <p:sp>
         <p:nvSpPr>
-          <p:cNvPr id="418" name="PlaceHolder 1"/>
+          <p:cNvPr id="414" name="PlaceHolder 1"/>
           <p:cNvSpPr>
             <a:spLocks noGrp="1"/>
           </p:cNvSpPr>
@@ -1679,19 +1678,19 @@
         <p:spPr>
           <a:xfrm>
             <a:off x="1376280" y="1336680"/>
-            <a:ext cx="4798440" cy="3598200"/>
-          </a:xfrm>
-          <a:prstGeom prst="rect">
-            <a:avLst/>
-          </a:prstGeom>
-          <a:ln w="0">
-            <a:noFill/>
-          </a:ln>
-        </p:spPr>
-      </p:sp>
-      <p:sp>
-        <p:nvSpPr>
-          <p:cNvPr id="419" name="PlaceHolder 2"/>
+            <a:ext cx="4798080" cy="3597840"/>
+          </a:xfrm>
+          <a:prstGeom prst="rect">
+            <a:avLst/>
+          </a:prstGeom>
+          <a:ln w="0">
+            <a:noFill/>
+          </a:ln>
+        </p:spPr>
+      </p:sp>
+      <p:sp>
+        <p:nvSpPr>
+          <p:cNvPr id="415" name="PlaceHolder 2"/>
           <p:cNvSpPr>
             <a:spLocks noGrp="1"/>
           </p:cNvSpPr>
@@ -1702,7 +1701,7 @@
         <p:spPr>
           <a:xfrm>
             <a:off x="756000" y="5145120"/>
-            <a:ext cx="6037560" cy="4199760"/>
+            <a:ext cx="6037200" cy="4199400"/>
           </a:xfrm>
           <a:prstGeom prst="rect">
             <a:avLst/>
@@ -1725,14 +1724,14 @@
       </p:sp>
       <p:sp>
         <p:nvSpPr>
-          <p:cNvPr id="420" name="CustomShape 64"/>
+          <p:cNvPr id="416" name="CustomShape 64"/>
           <p:cNvSpPr/>
           <p:nvPr/>
         </p:nvSpPr>
         <p:spPr>
           <a:xfrm>
             <a:off x="0" y="10155240"/>
-            <a:ext cx="3265920" cy="526320"/>
+            <a:ext cx="3265560" cy="525960"/>
           </a:xfrm>
           <a:prstGeom prst="rect">
             <a:avLst/>
@@ -1799,7 +1798,7 @@
       </p:grpSpPr>
       <p:sp>
         <p:nvSpPr>
-          <p:cNvPr id="367" name="PlaceHolder 1"/>
+          <p:cNvPr id="363" name="PlaceHolder 1"/>
           <p:cNvSpPr>
             <a:spLocks noGrp="1"/>
           </p:cNvSpPr>
@@ -1810,19 +1809,19 @@
         <p:spPr>
           <a:xfrm>
             <a:off x="1376280" y="1336680"/>
-            <a:ext cx="4798440" cy="3598200"/>
-          </a:xfrm>
-          <a:prstGeom prst="rect">
-            <a:avLst/>
-          </a:prstGeom>
-          <a:ln w="0">
-            <a:noFill/>
-          </a:ln>
-        </p:spPr>
-      </p:sp>
-      <p:sp>
-        <p:nvSpPr>
-          <p:cNvPr id="368" name="PlaceHolder 2"/>
+            <a:ext cx="4798080" cy="3597840"/>
+          </a:xfrm>
+          <a:prstGeom prst="rect">
+            <a:avLst/>
+          </a:prstGeom>
+          <a:ln w="0">
+            <a:noFill/>
+          </a:ln>
+        </p:spPr>
+      </p:sp>
+      <p:sp>
+        <p:nvSpPr>
+          <p:cNvPr id="364" name="PlaceHolder 2"/>
           <p:cNvSpPr>
             <a:spLocks noGrp="1"/>
           </p:cNvSpPr>
@@ -1833,7 +1832,7 @@
         <p:spPr>
           <a:xfrm>
             <a:off x="756000" y="5145120"/>
-            <a:ext cx="6037560" cy="4199760"/>
+            <a:ext cx="6037200" cy="4199400"/>
           </a:xfrm>
           <a:prstGeom prst="rect">
             <a:avLst/>
@@ -1856,14 +1855,14 @@
       </p:sp>
       <p:sp>
         <p:nvSpPr>
-          <p:cNvPr id="369" name="CustomShape 13"/>
+          <p:cNvPr id="365" name="CustomShape 13"/>
           <p:cNvSpPr/>
           <p:nvPr/>
         </p:nvSpPr>
         <p:spPr>
           <a:xfrm>
             <a:off x="0" y="10155240"/>
-            <a:ext cx="3265920" cy="526320"/>
+            <a:ext cx="3265560" cy="525960"/>
           </a:xfrm>
           <a:prstGeom prst="rect">
             <a:avLst/>
@@ -1930,7 +1929,7 @@
       </p:grpSpPr>
       <p:sp>
         <p:nvSpPr>
-          <p:cNvPr id="421" name="PlaceHolder 1"/>
+          <p:cNvPr id="417" name="PlaceHolder 1"/>
           <p:cNvSpPr>
             <a:spLocks noGrp="1"/>
           </p:cNvSpPr>
@@ -1941,19 +1940,19 @@
         <p:spPr>
           <a:xfrm>
             <a:off x="1376280" y="1336680"/>
-            <a:ext cx="4798440" cy="3598200"/>
-          </a:xfrm>
-          <a:prstGeom prst="rect">
-            <a:avLst/>
-          </a:prstGeom>
-          <a:ln w="0">
-            <a:noFill/>
-          </a:ln>
-        </p:spPr>
-      </p:sp>
-      <p:sp>
-        <p:nvSpPr>
-          <p:cNvPr id="422" name="PlaceHolder 2"/>
+            <a:ext cx="4798080" cy="3597840"/>
+          </a:xfrm>
+          <a:prstGeom prst="rect">
+            <a:avLst/>
+          </a:prstGeom>
+          <a:ln w="0">
+            <a:noFill/>
+          </a:ln>
+        </p:spPr>
+      </p:sp>
+      <p:sp>
+        <p:nvSpPr>
+          <p:cNvPr id="418" name="PlaceHolder 2"/>
           <p:cNvSpPr>
             <a:spLocks noGrp="1"/>
           </p:cNvSpPr>
@@ -1964,7 +1963,7 @@
         <p:spPr>
           <a:xfrm>
             <a:off x="756000" y="5145120"/>
-            <a:ext cx="6037560" cy="4199760"/>
+            <a:ext cx="6037200" cy="4199400"/>
           </a:xfrm>
           <a:prstGeom prst="rect">
             <a:avLst/>
@@ -1987,14 +1986,14 @@
       </p:sp>
       <p:sp>
         <p:nvSpPr>
-          <p:cNvPr id="423" name="CustomShape 20"/>
+          <p:cNvPr id="419" name="CustomShape 20"/>
           <p:cNvSpPr/>
           <p:nvPr/>
         </p:nvSpPr>
         <p:spPr>
           <a:xfrm>
             <a:off x="0" y="10155240"/>
-            <a:ext cx="3265920" cy="526320"/>
+            <a:ext cx="3265560" cy="525960"/>
           </a:xfrm>
           <a:prstGeom prst="rect">
             <a:avLst/>
@@ -2061,7 +2060,7 @@
       </p:grpSpPr>
       <p:sp>
         <p:nvSpPr>
-          <p:cNvPr id="424" name="PlaceHolder 1"/>
+          <p:cNvPr id="420" name="PlaceHolder 1"/>
           <p:cNvSpPr>
             <a:spLocks noGrp="1"/>
           </p:cNvSpPr>
@@ -2072,19 +2071,19 @@
         <p:spPr>
           <a:xfrm>
             <a:off x="1376280" y="1336680"/>
-            <a:ext cx="4798440" cy="3598200"/>
-          </a:xfrm>
-          <a:prstGeom prst="rect">
-            <a:avLst/>
-          </a:prstGeom>
-          <a:ln w="0">
-            <a:noFill/>
-          </a:ln>
-        </p:spPr>
-      </p:sp>
-      <p:sp>
-        <p:nvSpPr>
-          <p:cNvPr id="425" name="PlaceHolder 2"/>
+            <a:ext cx="4798080" cy="3597840"/>
+          </a:xfrm>
+          <a:prstGeom prst="rect">
+            <a:avLst/>
+          </a:prstGeom>
+          <a:ln w="0">
+            <a:noFill/>
+          </a:ln>
+        </p:spPr>
+      </p:sp>
+      <p:sp>
+        <p:nvSpPr>
+          <p:cNvPr id="421" name="PlaceHolder 2"/>
           <p:cNvSpPr>
             <a:spLocks noGrp="1"/>
           </p:cNvSpPr>
@@ -2095,7 +2094,7 @@
         <p:spPr>
           <a:xfrm>
             <a:off x="756000" y="5145120"/>
-            <a:ext cx="6037560" cy="4199760"/>
+            <a:ext cx="6037200" cy="4199400"/>
           </a:xfrm>
           <a:prstGeom prst="rect">
             <a:avLst/>
@@ -2118,14 +2117,14 @@
       </p:sp>
       <p:sp>
         <p:nvSpPr>
-          <p:cNvPr id="426" name="CustomShape 86"/>
+          <p:cNvPr id="422" name="CustomShape 86"/>
           <p:cNvSpPr/>
           <p:nvPr/>
         </p:nvSpPr>
         <p:spPr>
           <a:xfrm>
             <a:off x="0" y="10155240"/>
-            <a:ext cx="3265920" cy="526320"/>
+            <a:ext cx="3265560" cy="525960"/>
           </a:xfrm>
           <a:prstGeom prst="rect">
             <a:avLst/>
@@ -2192,7 +2191,7 @@
       </p:grpSpPr>
       <p:sp>
         <p:nvSpPr>
-          <p:cNvPr id="427" name="PlaceHolder 1"/>
+          <p:cNvPr id="423" name="PlaceHolder 1"/>
           <p:cNvSpPr>
             <a:spLocks noGrp="1"/>
           </p:cNvSpPr>
@@ -2203,19 +2202,19 @@
         <p:spPr>
           <a:xfrm>
             <a:off x="1376280" y="1336680"/>
-            <a:ext cx="4798080" cy="3597840"/>
-          </a:xfrm>
-          <a:prstGeom prst="rect">
-            <a:avLst/>
-          </a:prstGeom>
-          <a:ln w="0">
-            <a:noFill/>
-          </a:ln>
-        </p:spPr>
-      </p:sp>
-      <p:sp>
-        <p:nvSpPr>
-          <p:cNvPr id="428" name="PlaceHolder 2"/>
+            <a:ext cx="4797720" cy="3597480"/>
+          </a:xfrm>
+          <a:prstGeom prst="rect">
+            <a:avLst/>
+          </a:prstGeom>
+          <a:ln w="0">
+            <a:noFill/>
+          </a:ln>
+        </p:spPr>
+      </p:sp>
+      <p:sp>
+        <p:nvSpPr>
+          <p:cNvPr id="424" name="PlaceHolder 2"/>
           <p:cNvSpPr>
             <a:spLocks noGrp="1"/>
           </p:cNvSpPr>
@@ -2226,7 +2225,7 @@
         <p:spPr>
           <a:xfrm>
             <a:off x="756000" y="5145120"/>
-            <a:ext cx="6037560" cy="4199760"/>
+            <a:ext cx="6037200" cy="4199400"/>
           </a:xfrm>
           <a:prstGeom prst="rect">
             <a:avLst/>
@@ -2249,14 +2248,14 @@
       </p:sp>
       <p:sp>
         <p:nvSpPr>
-          <p:cNvPr id="429" name="CustomShape 69"/>
+          <p:cNvPr id="425" name="CustomShape 69"/>
           <p:cNvSpPr/>
           <p:nvPr/>
         </p:nvSpPr>
         <p:spPr>
           <a:xfrm>
             <a:off x="0" y="10155240"/>
-            <a:ext cx="3265920" cy="526320"/>
+            <a:ext cx="3265560" cy="525960"/>
           </a:xfrm>
           <a:prstGeom prst="rect">
             <a:avLst/>
@@ -2323,7 +2322,7 @@
       </p:grpSpPr>
       <p:sp>
         <p:nvSpPr>
-          <p:cNvPr id="430" name="PlaceHolder 1"/>
+          <p:cNvPr id="426" name="PlaceHolder 1"/>
           <p:cNvSpPr>
             <a:spLocks noGrp="1"/>
           </p:cNvSpPr>
@@ -2334,19 +2333,19 @@
         <p:spPr>
           <a:xfrm>
             <a:off x="1376280" y="1336680"/>
-            <a:ext cx="4798080" cy="3597840"/>
-          </a:xfrm>
-          <a:prstGeom prst="rect">
-            <a:avLst/>
-          </a:prstGeom>
-          <a:ln w="0">
-            <a:noFill/>
-          </a:ln>
-        </p:spPr>
-      </p:sp>
-      <p:sp>
-        <p:nvSpPr>
-          <p:cNvPr id="431" name="PlaceHolder 2"/>
+            <a:ext cx="4797720" cy="3597480"/>
+          </a:xfrm>
+          <a:prstGeom prst="rect">
+            <a:avLst/>
+          </a:prstGeom>
+          <a:ln w="0">
+            <a:noFill/>
+          </a:ln>
+        </p:spPr>
+      </p:sp>
+      <p:sp>
+        <p:nvSpPr>
+          <p:cNvPr id="427" name="PlaceHolder 2"/>
           <p:cNvSpPr>
             <a:spLocks noGrp="1"/>
           </p:cNvSpPr>
@@ -2357,7 +2356,7 @@
         <p:spPr>
           <a:xfrm>
             <a:off x="756000" y="5145120"/>
-            <a:ext cx="6037560" cy="4199760"/>
+            <a:ext cx="6037200" cy="4199400"/>
           </a:xfrm>
           <a:prstGeom prst="rect">
             <a:avLst/>
@@ -2380,14 +2379,14 @@
       </p:sp>
       <p:sp>
         <p:nvSpPr>
-          <p:cNvPr id="432" name="CustomShape 74"/>
+          <p:cNvPr id="428" name="CustomShape 74"/>
           <p:cNvSpPr/>
           <p:nvPr/>
         </p:nvSpPr>
         <p:spPr>
           <a:xfrm>
             <a:off x="0" y="10155240"/>
-            <a:ext cx="3265920" cy="526320"/>
+            <a:ext cx="3265560" cy="525960"/>
           </a:xfrm>
           <a:prstGeom prst="rect">
             <a:avLst/>
@@ -2454,7 +2453,7 @@
       </p:grpSpPr>
       <p:sp>
         <p:nvSpPr>
-          <p:cNvPr id="433" name="PlaceHolder 1"/>
+          <p:cNvPr id="429" name="PlaceHolder 1"/>
           <p:cNvSpPr>
             <a:spLocks noGrp="1"/>
           </p:cNvSpPr>
@@ -2465,19 +2464,19 @@
         <p:spPr>
           <a:xfrm>
             <a:off x="1376280" y="1336680"/>
-            <a:ext cx="4798440" cy="3598200"/>
-          </a:xfrm>
-          <a:prstGeom prst="rect">
-            <a:avLst/>
-          </a:prstGeom>
-          <a:ln w="0">
-            <a:noFill/>
-          </a:ln>
-        </p:spPr>
-      </p:sp>
-      <p:sp>
-        <p:nvSpPr>
-          <p:cNvPr id="434" name="PlaceHolder 2"/>
+            <a:ext cx="4798080" cy="3597840"/>
+          </a:xfrm>
+          <a:prstGeom prst="rect">
+            <a:avLst/>
+          </a:prstGeom>
+          <a:ln w="0">
+            <a:noFill/>
+          </a:ln>
+        </p:spPr>
+      </p:sp>
+      <p:sp>
+        <p:nvSpPr>
+          <p:cNvPr id="430" name="PlaceHolder 2"/>
           <p:cNvSpPr>
             <a:spLocks noGrp="1"/>
           </p:cNvSpPr>
@@ -2488,7 +2487,7 @@
         <p:spPr>
           <a:xfrm>
             <a:off x="756000" y="5145120"/>
-            <a:ext cx="6037560" cy="4199760"/>
+            <a:ext cx="6037200" cy="4199400"/>
           </a:xfrm>
           <a:prstGeom prst="rect">
             <a:avLst/>
@@ -2511,14 +2510,14 @@
       </p:sp>
       <p:sp>
         <p:nvSpPr>
-          <p:cNvPr id="435" name="CustomShape 79"/>
+          <p:cNvPr id="431" name="CustomShape 79"/>
           <p:cNvSpPr/>
           <p:nvPr/>
         </p:nvSpPr>
         <p:spPr>
           <a:xfrm>
             <a:off x="0" y="10155240"/>
-            <a:ext cx="3265920" cy="526320"/>
+            <a:ext cx="3265560" cy="525960"/>
           </a:xfrm>
           <a:prstGeom prst="rect">
             <a:avLst/>
@@ -2585,7 +2584,7 @@
       </p:grpSpPr>
       <p:sp>
         <p:nvSpPr>
-          <p:cNvPr id="436" name="PlaceHolder 1"/>
+          <p:cNvPr id="432" name="PlaceHolder 1"/>
           <p:cNvSpPr>
             <a:spLocks noGrp="1"/>
           </p:cNvSpPr>
@@ -2596,19 +2595,19 @@
         <p:spPr>
           <a:xfrm>
             <a:off x="1376280" y="1336680"/>
-            <a:ext cx="4798440" cy="3598200"/>
-          </a:xfrm>
-          <a:prstGeom prst="rect">
-            <a:avLst/>
-          </a:prstGeom>
-          <a:ln w="0">
-            <a:noFill/>
-          </a:ln>
-        </p:spPr>
-      </p:sp>
-      <p:sp>
-        <p:nvSpPr>
-          <p:cNvPr id="437" name="PlaceHolder 2"/>
+            <a:ext cx="4798080" cy="3597840"/>
+          </a:xfrm>
+          <a:prstGeom prst="rect">
+            <a:avLst/>
+          </a:prstGeom>
+          <a:ln w="0">
+            <a:noFill/>
+          </a:ln>
+        </p:spPr>
+      </p:sp>
+      <p:sp>
+        <p:nvSpPr>
+          <p:cNvPr id="433" name="PlaceHolder 2"/>
           <p:cNvSpPr>
             <a:spLocks noGrp="1"/>
           </p:cNvSpPr>
@@ -2619,7 +2618,7 @@
         <p:spPr>
           <a:xfrm>
             <a:off x="756000" y="5145120"/>
-            <a:ext cx="6037560" cy="4199760"/>
+            <a:ext cx="6037200" cy="4199400"/>
           </a:xfrm>
           <a:prstGeom prst="rect">
             <a:avLst/>
@@ -2642,145 +2641,14 @@
       </p:sp>
       <p:sp>
         <p:nvSpPr>
-          <p:cNvPr id="438" name="CustomShape 88"/>
+          <p:cNvPr id="434" name="CustomShape 93"/>
           <p:cNvSpPr/>
           <p:nvPr/>
         </p:nvSpPr>
         <p:spPr>
           <a:xfrm>
             <a:off x="0" y="10155240"/>
-            <a:ext cx="3265920" cy="526320"/>
-          </a:xfrm>
-          <a:prstGeom prst="rect">
-            <a:avLst/>
-          </a:prstGeom>
-          <a:noFill/>
-          <a:ln w="0">
-            <a:noFill/>
-          </a:ln>
-        </p:spPr>
-        <p:style>
-          <a:lnRef idx="0"/>
-          <a:fillRef idx="0"/>
-          <a:effectRef idx="0"/>
-          <a:fontRef idx="minor"/>
-        </p:style>
-        <p:txBody>
-          <a:bodyPr lIns="90000" rIns="90000" tIns="45000" bIns="45000" anchor="b">
-            <a:noAutofit/>
-          </a:bodyPr>
-          <a:p>
-            <a:pPr>
-              <a:lnSpc>
-                <a:spcPct val="100000"/>
-              </a:lnSpc>
-              <a:buNone/>
-            </a:pPr>
-            <a:r>
-              <a:rPr b="0" lang="pt-BR" sz="1200" spc="-1" strike="noStrike">
-                <a:solidFill>
-                  <a:srgbClr val="000000"/>
-                </a:solidFill>
-                <a:latin typeface="Times New Roman"/>
-                <a:ea typeface="+mn-ea"/>
-              </a:rPr>
-              <a:t>Prof. André Hochuli</a:t>
-            </a:r>
-            <a:endParaRPr b="0" lang="pt-BR" sz="1200" spc="-1" strike="noStrike">
-              <a:latin typeface="Arial"/>
-            </a:endParaRPr>
-          </a:p>
-        </p:txBody>
-      </p:sp>
-    </p:spTree>
-  </p:cSld>
-</p:notes>
-</file>
-
-<file path=ppt/notesSlides/notesSlide26.xml><?xml version="1.0" encoding="utf-8"?>
-<p:notes xmlns:a="http://schemas.openxmlformats.org/drawingml/2006/main" xmlns:p="http://schemas.openxmlformats.org/presentationml/2006/main" xmlns:r="http://schemas.openxmlformats.org/officeDocument/2006/relationships" xmlns:p14="http://schemas.microsoft.com/office/powerpoint/2010/main" xmlns:p15="http://schemas.microsoft.com/office/powerpoint/2012/main" xmlns:mc="http://schemas.openxmlformats.org/markup-compatibility/2006">
-  <p:cSld>
-    <p:spTree>
-      <p:nvGrpSpPr>
-        <p:cNvPr id="1" name=""/>
-        <p:cNvGrpSpPr/>
-        <p:nvPr/>
-      </p:nvGrpSpPr>
-      <p:grpSpPr>
-        <a:xfrm>
-          <a:off x="0" y="0"/>
-          <a:ext cx="0" cy="0"/>
-          <a:chOff x="0" y="0"/>
-          <a:chExt cx="0" cy="0"/>
-        </a:xfrm>
-      </p:grpSpPr>
-      <p:sp>
-        <p:nvSpPr>
-          <p:cNvPr id="439" name="PlaceHolder 1"/>
-          <p:cNvSpPr>
-            <a:spLocks noGrp="1"/>
-          </p:cNvSpPr>
-          <p:nvPr>
-            <p:ph type="sldImg"/>
-          </p:nvPr>
-        </p:nvSpPr>
-        <p:spPr>
-          <a:xfrm>
-            <a:off x="1376280" y="1336680"/>
-            <a:ext cx="4798440" cy="3598200"/>
-          </a:xfrm>
-          <a:prstGeom prst="rect">
-            <a:avLst/>
-          </a:prstGeom>
-          <a:ln w="0">
-            <a:noFill/>
-          </a:ln>
-        </p:spPr>
-      </p:sp>
-      <p:sp>
-        <p:nvSpPr>
-          <p:cNvPr id="440" name="PlaceHolder 2"/>
-          <p:cNvSpPr>
-            <a:spLocks noGrp="1"/>
-          </p:cNvSpPr>
-          <p:nvPr>
-            <p:ph type="body"/>
-          </p:nvPr>
-        </p:nvSpPr>
-        <p:spPr>
-          <a:xfrm>
-            <a:off x="756000" y="5145120"/>
-            <a:ext cx="6037560" cy="4199760"/>
-          </a:xfrm>
-          <a:prstGeom prst="rect">
-            <a:avLst/>
-          </a:prstGeom>
-          <a:noFill/>
-          <a:ln w="0">
-            <a:noFill/>
-          </a:ln>
-        </p:spPr>
-        <p:txBody>
-          <a:bodyPr lIns="0" rIns="0" tIns="0" bIns="0" anchor="t">
-            <a:noAutofit/>
-          </a:bodyPr>
-          <a:p>
-            <a:endParaRPr b="0" lang="pt-BR" sz="2000" spc="-1" strike="noStrike">
-              <a:latin typeface="Arial"/>
-            </a:endParaRPr>
-          </a:p>
-        </p:txBody>
-      </p:sp>
-      <p:sp>
-        <p:nvSpPr>
-          <p:cNvPr id="441" name="CustomShape 93"/>
-          <p:cNvSpPr/>
-          <p:nvPr/>
-        </p:nvSpPr>
-        <p:spPr>
-          <a:xfrm>
-            <a:off x="0" y="10155240"/>
-            <a:ext cx="3265920" cy="526320"/>
+            <a:ext cx="3265560" cy="525960"/>
           </a:xfrm>
           <a:prstGeom prst="rect">
             <a:avLst/>
@@ -2847,7 +2715,7 @@
       </p:grpSpPr>
       <p:sp>
         <p:nvSpPr>
-          <p:cNvPr id="370" name="PlaceHolder 1"/>
+          <p:cNvPr id="366" name="PlaceHolder 1"/>
           <p:cNvSpPr>
             <a:spLocks noGrp="1"/>
           </p:cNvSpPr>
@@ -2858,19 +2726,19 @@
         <p:spPr>
           <a:xfrm>
             <a:off x="1376280" y="1336680"/>
-            <a:ext cx="4798440" cy="3598200"/>
-          </a:xfrm>
-          <a:prstGeom prst="rect">
-            <a:avLst/>
-          </a:prstGeom>
-          <a:ln w="0">
-            <a:noFill/>
-          </a:ln>
-        </p:spPr>
-      </p:sp>
-      <p:sp>
-        <p:nvSpPr>
-          <p:cNvPr id="371" name="PlaceHolder 2"/>
+            <a:ext cx="4798080" cy="3597840"/>
+          </a:xfrm>
+          <a:prstGeom prst="rect">
+            <a:avLst/>
+          </a:prstGeom>
+          <a:ln w="0">
+            <a:noFill/>
+          </a:ln>
+        </p:spPr>
+      </p:sp>
+      <p:sp>
+        <p:nvSpPr>
+          <p:cNvPr id="367" name="PlaceHolder 2"/>
           <p:cNvSpPr>
             <a:spLocks noGrp="1"/>
           </p:cNvSpPr>
@@ -2881,7 +2749,7 @@
         <p:spPr>
           <a:xfrm>
             <a:off x="756000" y="5145120"/>
-            <a:ext cx="6037920" cy="4200120"/>
+            <a:ext cx="6037560" cy="4199760"/>
           </a:xfrm>
           <a:prstGeom prst="rect">
             <a:avLst/>
@@ -2904,14 +2772,14 @@
       </p:sp>
       <p:sp>
         <p:nvSpPr>
-          <p:cNvPr id="372" name="CustomShape 3"/>
+          <p:cNvPr id="368" name="CustomShape 3"/>
           <p:cNvSpPr/>
           <p:nvPr/>
         </p:nvSpPr>
         <p:spPr>
           <a:xfrm>
             <a:off x="0" y="10155240"/>
-            <a:ext cx="3266280" cy="526680"/>
+            <a:ext cx="3265920" cy="526320"/>
           </a:xfrm>
           <a:prstGeom prst="rect">
             <a:avLst/>
@@ -2978,7 +2846,7 @@
       </p:grpSpPr>
       <p:sp>
         <p:nvSpPr>
-          <p:cNvPr id="373" name="PlaceHolder 1"/>
+          <p:cNvPr id="369" name="PlaceHolder 1"/>
           <p:cNvSpPr>
             <a:spLocks noGrp="1"/>
           </p:cNvSpPr>
@@ -2989,19 +2857,19 @@
         <p:spPr>
           <a:xfrm>
             <a:off x="1376280" y="1336680"/>
-            <a:ext cx="4798440" cy="3598200"/>
-          </a:xfrm>
-          <a:prstGeom prst="rect">
-            <a:avLst/>
-          </a:prstGeom>
-          <a:ln w="0">
-            <a:noFill/>
-          </a:ln>
-        </p:spPr>
-      </p:sp>
-      <p:sp>
-        <p:nvSpPr>
-          <p:cNvPr id="374" name="PlaceHolder 2"/>
+            <a:ext cx="4798080" cy="3597840"/>
+          </a:xfrm>
+          <a:prstGeom prst="rect">
+            <a:avLst/>
+          </a:prstGeom>
+          <a:ln w="0">
+            <a:noFill/>
+          </a:ln>
+        </p:spPr>
+      </p:sp>
+      <p:sp>
+        <p:nvSpPr>
+          <p:cNvPr id="370" name="PlaceHolder 2"/>
           <p:cNvSpPr>
             <a:spLocks noGrp="1"/>
           </p:cNvSpPr>
@@ -3012,7 +2880,7 @@
         <p:spPr>
           <a:xfrm>
             <a:off x="756000" y="5145120"/>
-            <a:ext cx="6037920" cy="4200120"/>
+            <a:ext cx="6037560" cy="4199760"/>
           </a:xfrm>
           <a:prstGeom prst="rect">
             <a:avLst/>
@@ -3035,14 +2903,14 @@
       </p:sp>
       <p:sp>
         <p:nvSpPr>
-          <p:cNvPr id="375" name="CustomShape 3"/>
+          <p:cNvPr id="371" name="CustomShape 3"/>
           <p:cNvSpPr/>
           <p:nvPr/>
         </p:nvSpPr>
         <p:spPr>
           <a:xfrm>
             <a:off x="0" y="10155240"/>
-            <a:ext cx="3266280" cy="526680"/>
+            <a:ext cx="3265920" cy="526320"/>
           </a:xfrm>
           <a:prstGeom prst="rect">
             <a:avLst/>
@@ -3109,7 +2977,7 @@
       </p:grpSpPr>
       <p:sp>
         <p:nvSpPr>
-          <p:cNvPr id="376" name="PlaceHolder 1"/>
+          <p:cNvPr id="372" name="PlaceHolder 1"/>
           <p:cNvSpPr>
             <a:spLocks noGrp="1"/>
           </p:cNvSpPr>
@@ -3120,19 +2988,19 @@
         <p:spPr>
           <a:xfrm>
             <a:off x="1376280" y="1336680"/>
-            <a:ext cx="4798440" cy="3598200"/>
-          </a:xfrm>
-          <a:prstGeom prst="rect">
-            <a:avLst/>
-          </a:prstGeom>
-          <a:ln w="0">
-            <a:noFill/>
-          </a:ln>
-        </p:spPr>
-      </p:sp>
-      <p:sp>
-        <p:nvSpPr>
-          <p:cNvPr id="377" name="PlaceHolder 2"/>
+            <a:ext cx="4798080" cy="3597840"/>
+          </a:xfrm>
+          <a:prstGeom prst="rect">
+            <a:avLst/>
+          </a:prstGeom>
+          <a:ln w="0">
+            <a:noFill/>
+          </a:ln>
+        </p:spPr>
+      </p:sp>
+      <p:sp>
+        <p:nvSpPr>
+          <p:cNvPr id="373" name="PlaceHolder 2"/>
           <p:cNvSpPr>
             <a:spLocks noGrp="1"/>
           </p:cNvSpPr>
@@ -3143,7 +3011,7 @@
         <p:spPr>
           <a:xfrm>
             <a:off x="756000" y="5145120"/>
-            <a:ext cx="6037920" cy="4200120"/>
+            <a:ext cx="6037560" cy="4199760"/>
           </a:xfrm>
           <a:prstGeom prst="rect">
             <a:avLst/>
@@ -3166,14 +3034,14 @@
       </p:sp>
       <p:sp>
         <p:nvSpPr>
-          <p:cNvPr id="378" name="CustomShape 3"/>
+          <p:cNvPr id="374" name="CustomShape 3"/>
           <p:cNvSpPr/>
           <p:nvPr/>
         </p:nvSpPr>
         <p:spPr>
           <a:xfrm>
             <a:off x="0" y="10155240"/>
-            <a:ext cx="3266280" cy="526680"/>
+            <a:ext cx="3265920" cy="526320"/>
           </a:xfrm>
           <a:prstGeom prst="rect">
             <a:avLst/>
@@ -3240,7 +3108,7 @@
       </p:grpSpPr>
       <p:sp>
         <p:nvSpPr>
-          <p:cNvPr id="379" name="PlaceHolder 1"/>
+          <p:cNvPr id="375" name="PlaceHolder 1"/>
           <p:cNvSpPr>
             <a:spLocks noGrp="1"/>
           </p:cNvSpPr>
@@ -3251,19 +3119,19 @@
         <p:spPr>
           <a:xfrm>
             <a:off x="1376280" y="1336680"/>
-            <a:ext cx="4798440" cy="3598200"/>
-          </a:xfrm>
-          <a:prstGeom prst="rect">
-            <a:avLst/>
-          </a:prstGeom>
-          <a:ln w="0">
-            <a:noFill/>
-          </a:ln>
-        </p:spPr>
-      </p:sp>
-      <p:sp>
-        <p:nvSpPr>
-          <p:cNvPr id="380" name="PlaceHolder 2"/>
+            <a:ext cx="4798080" cy="3597840"/>
+          </a:xfrm>
+          <a:prstGeom prst="rect">
+            <a:avLst/>
+          </a:prstGeom>
+          <a:ln w="0">
+            <a:noFill/>
+          </a:ln>
+        </p:spPr>
+      </p:sp>
+      <p:sp>
+        <p:nvSpPr>
+          <p:cNvPr id="376" name="PlaceHolder 2"/>
           <p:cNvSpPr>
             <a:spLocks noGrp="1"/>
           </p:cNvSpPr>
@@ -3274,7 +3142,7 @@
         <p:spPr>
           <a:xfrm>
             <a:off x="756000" y="5145120"/>
-            <a:ext cx="6037920" cy="4200120"/>
+            <a:ext cx="6037560" cy="4199760"/>
           </a:xfrm>
           <a:prstGeom prst="rect">
             <a:avLst/>
@@ -3297,14 +3165,14 @@
       </p:sp>
       <p:sp>
         <p:nvSpPr>
-          <p:cNvPr id="381" name="CustomShape 3"/>
+          <p:cNvPr id="377" name="CustomShape 3"/>
           <p:cNvSpPr/>
           <p:nvPr/>
         </p:nvSpPr>
         <p:spPr>
           <a:xfrm>
             <a:off x="0" y="10155240"/>
-            <a:ext cx="3266280" cy="526680"/>
+            <a:ext cx="3265920" cy="526320"/>
           </a:xfrm>
           <a:prstGeom prst="rect">
             <a:avLst/>
@@ -3371,7 +3239,7 @@
       </p:grpSpPr>
       <p:sp>
         <p:nvSpPr>
-          <p:cNvPr id="382" name="PlaceHolder 1"/>
+          <p:cNvPr id="378" name="PlaceHolder 1"/>
           <p:cNvSpPr>
             <a:spLocks noGrp="1"/>
           </p:cNvSpPr>
@@ -3382,19 +3250,19 @@
         <p:spPr>
           <a:xfrm>
             <a:off x="1376280" y="1336680"/>
-            <a:ext cx="4798440" cy="3598200"/>
-          </a:xfrm>
-          <a:prstGeom prst="rect">
-            <a:avLst/>
-          </a:prstGeom>
-          <a:ln w="0">
-            <a:noFill/>
-          </a:ln>
-        </p:spPr>
-      </p:sp>
-      <p:sp>
-        <p:nvSpPr>
-          <p:cNvPr id="383" name="PlaceHolder 2"/>
+            <a:ext cx="4798080" cy="3597840"/>
+          </a:xfrm>
+          <a:prstGeom prst="rect">
+            <a:avLst/>
+          </a:prstGeom>
+          <a:ln w="0">
+            <a:noFill/>
+          </a:ln>
+        </p:spPr>
+      </p:sp>
+      <p:sp>
+        <p:nvSpPr>
+          <p:cNvPr id="379" name="PlaceHolder 2"/>
           <p:cNvSpPr>
             <a:spLocks noGrp="1"/>
           </p:cNvSpPr>
@@ -3405,7 +3273,7 @@
         <p:spPr>
           <a:xfrm>
             <a:off x="756000" y="5145120"/>
-            <a:ext cx="6037920" cy="4200120"/>
+            <a:ext cx="6037560" cy="4199760"/>
           </a:xfrm>
           <a:prstGeom prst="rect">
             <a:avLst/>
@@ -3428,14 +3296,14 @@
       </p:sp>
       <p:sp>
         <p:nvSpPr>
-          <p:cNvPr id="384" name="CustomShape 3"/>
+          <p:cNvPr id="380" name="CustomShape 3"/>
           <p:cNvSpPr/>
           <p:nvPr/>
         </p:nvSpPr>
         <p:spPr>
           <a:xfrm>
             <a:off x="0" y="10155240"/>
-            <a:ext cx="3266280" cy="526680"/>
+            <a:ext cx="3265920" cy="526320"/>
           </a:xfrm>
           <a:prstGeom prst="rect">
             <a:avLst/>
@@ -3502,7 +3370,7 @@
       </p:grpSpPr>
       <p:sp>
         <p:nvSpPr>
-          <p:cNvPr id="385" name="PlaceHolder 1"/>
+          <p:cNvPr id="381" name="PlaceHolder 1"/>
           <p:cNvSpPr>
             <a:spLocks noGrp="1"/>
           </p:cNvSpPr>
@@ -3513,19 +3381,19 @@
         <p:spPr>
           <a:xfrm>
             <a:off x="1376280" y="1336680"/>
-            <a:ext cx="4798440" cy="3598200"/>
-          </a:xfrm>
-          <a:prstGeom prst="rect">
-            <a:avLst/>
-          </a:prstGeom>
-          <a:ln w="0">
-            <a:noFill/>
-          </a:ln>
-        </p:spPr>
-      </p:sp>
-      <p:sp>
-        <p:nvSpPr>
-          <p:cNvPr id="386" name="PlaceHolder 2"/>
+            <a:ext cx="4798080" cy="3597840"/>
+          </a:xfrm>
+          <a:prstGeom prst="rect">
+            <a:avLst/>
+          </a:prstGeom>
+          <a:ln w="0">
+            <a:noFill/>
+          </a:ln>
+        </p:spPr>
+      </p:sp>
+      <p:sp>
+        <p:nvSpPr>
+          <p:cNvPr id="382" name="PlaceHolder 2"/>
           <p:cNvSpPr>
             <a:spLocks noGrp="1"/>
           </p:cNvSpPr>
@@ -3536,7 +3404,7 @@
         <p:spPr>
           <a:xfrm>
             <a:off x="756000" y="5145120"/>
-            <a:ext cx="6037920" cy="4200120"/>
+            <a:ext cx="6037560" cy="4199760"/>
           </a:xfrm>
           <a:prstGeom prst="rect">
             <a:avLst/>
@@ -3559,14 +3427,14 @@
       </p:sp>
       <p:sp>
         <p:nvSpPr>
-          <p:cNvPr id="387" name="CustomShape 3"/>
+          <p:cNvPr id="383" name="CustomShape 3"/>
           <p:cNvSpPr/>
           <p:nvPr/>
         </p:nvSpPr>
         <p:spPr>
           <a:xfrm>
             <a:off x="0" y="10155240"/>
-            <a:ext cx="3266280" cy="526680"/>
+            <a:ext cx="3265920" cy="526320"/>
           </a:xfrm>
           <a:prstGeom prst="rect">
             <a:avLst/>
@@ -3633,7 +3501,7 @@
       </p:grpSpPr>
       <p:sp>
         <p:nvSpPr>
-          <p:cNvPr id="388" name="PlaceHolder 1"/>
+          <p:cNvPr id="384" name="PlaceHolder 1"/>
           <p:cNvSpPr>
             <a:spLocks noGrp="1"/>
           </p:cNvSpPr>
@@ -3644,19 +3512,19 @@
         <p:spPr>
           <a:xfrm>
             <a:off x="1376280" y="1336680"/>
-            <a:ext cx="4798440" cy="3598200"/>
-          </a:xfrm>
-          <a:prstGeom prst="rect">
-            <a:avLst/>
-          </a:prstGeom>
-          <a:ln w="0">
-            <a:noFill/>
-          </a:ln>
-        </p:spPr>
-      </p:sp>
-      <p:sp>
-        <p:nvSpPr>
-          <p:cNvPr id="389" name="PlaceHolder 2"/>
+            <a:ext cx="4798080" cy="3597840"/>
+          </a:xfrm>
+          <a:prstGeom prst="rect">
+            <a:avLst/>
+          </a:prstGeom>
+          <a:ln w="0">
+            <a:noFill/>
+          </a:ln>
+        </p:spPr>
+      </p:sp>
+      <p:sp>
+        <p:nvSpPr>
+          <p:cNvPr id="385" name="PlaceHolder 2"/>
           <p:cNvSpPr>
             <a:spLocks noGrp="1"/>
           </p:cNvSpPr>
@@ -3667,7 +3535,7 @@
         <p:spPr>
           <a:xfrm>
             <a:off x="756000" y="5145120"/>
-            <a:ext cx="6037920" cy="4200120"/>
+            <a:ext cx="6037560" cy="4199760"/>
           </a:xfrm>
           <a:prstGeom prst="rect">
             <a:avLst/>
@@ -3690,14 +3558,14 @@
       </p:sp>
       <p:sp>
         <p:nvSpPr>
-          <p:cNvPr id="390" name="CustomShape 3"/>
+          <p:cNvPr id="386" name="CustomShape 3"/>
           <p:cNvSpPr/>
           <p:nvPr/>
         </p:nvSpPr>
         <p:spPr>
           <a:xfrm>
             <a:off x="0" y="10155240"/>
-            <a:ext cx="3266280" cy="526680"/>
+            <a:ext cx="3265920" cy="526320"/>
           </a:xfrm>
           <a:prstGeom prst="rect">
             <a:avLst/>
@@ -11398,7 +11266,7 @@
         <p:spPr>
           <a:xfrm>
             <a:off x="0" y="3150000"/>
-            <a:ext cx="9710280" cy="1250280"/>
+            <a:ext cx="9709920" cy="1249920"/>
           </a:xfrm>
           <a:prstGeom prst="rect">
             <a:avLst/>
@@ -11696,7 +11564,7 @@
         <p:spPr>
           <a:xfrm>
             <a:off x="0" y="180000"/>
-            <a:ext cx="9709920" cy="1249920"/>
+            <a:ext cx="9709560" cy="1249560"/>
           </a:xfrm>
           <a:prstGeom prst="rect">
             <a:avLst/>
@@ -11724,7 +11592,7 @@
         <p:spPr>
           <a:xfrm>
             <a:off x="7560000" y="6840000"/>
-            <a:ext cx="2509920" cy="529920"/>
+            <a:ext cx="2509560" cy="529560"/>
           </a:xfrm>
           <a:prstGeom prst="rect">
             <a:avLst/>
@@ -11752,7 +11620,7 @@
         <p:spPr>
           <a:xfrm>
             <a:off x="900000" y="6840000"/>
-            <a:ext cx="6469920" cy="529920"/>
+            <a:ext cx="6469560" cy="529560"/>
           </a:xfrm>
           <a:prstGeom prst="rect">
             <a:avLst/>
@@ -11780,7 +11648,7 @@
         <p:spPr>
           <a:xfrm>
             <a:off x="180000" y="6840000"/>
-            <a:ext cx="529920" cy="529920"/>
+            <a:ext cx="529560" cy="529560"/>
           </a:xfrm>
           <a:prstGeom prst="rect">
             <a:avLst/>
@@ -12076,7 +11944,7 @@
         <p:spPr>
           <a:xfrm>
             <a:off x="0" y="180000"/>
-            <a:ext cx="9710280" cy="1250280"/>
+            <a:ext cx="9709920" cy="1249920"/>
           </a:xfrm>
           <a:prstGeom prst="rect">
             <a:avLst/>
@@ -12104,7 +11972,7 @@
         <p:spPr>
           <a:xfrm>
             <a:off x="7560000" y="6840000"/>
-            <a:ext cx="2510280" cy="530280"/>
+            <a:ext cx="2509920" cy="529920"/>
           </a:xfrm>
           <a:prstGeom prst="rect">
             <a:avLst/>
@@ -12132,7 +12000,7 @@
         <p:spPr>
           <a:xfrm>
             <a:off x="900000" y="6840000"/>
-            <a:ext cx="6470280" cy="530280"/>
+            <a:ext cx="6469920" cy="529920"/>
           </a:xfrm>
           <a:prstGeom prst="rect">
             <a:avLst/>
@@ -12160,7 +12028,7 @@
         <p:spPr>
           <a:xfrm>
             <a:off x="180000" y="6840000"/>
-            <a:ext cx="530280" cy="530280"/>
+            <a:ext cx="529920" cy="529920"/>
           </a:xfrm>
           <a:prstGeom prst="rect">
             <a:avLst/>
@@ -12456,7 +12324,7 @@
         <p:spPr>
           <a:xfrm>
             <a:off x="0" y="180000"/>
-            <a:ext cx="9710280" cy="1250280"/>
+            <a:ext cx="9709920" cy="1249920"/>
           </a:xfrm>
           <a:prstGeom prst="rect">
             <a:avLst/>
@@ -12484,7 +12352,7 @@
         <p:spPr>
           <a:xfrm>
             <a:off x="7560000" y="6840000"/>
-            <a:ext cx="2510280" cy="530280"/>
+            <a:ext cx="2509920" cy="529920"/>
           </a:xfrm>
           <a:prstGeom prst="rect">
             <a:avLst/>
@@ -12512,7 +12380,7 @@
         <p:spPr>
           <a:xfrm>
             <a:off x="900000" y="6840000"/>
-            <a:ext cx="6470280" cy="530280"/>
+            <a:ext cx="6469920" cy="529920"/>
           </a:xfrm>
           <a:prstGeom prst="rect">
             <a:avLst/>
@@ -12540,7 +12408,7 @@
         <p:spPr>
           <a:xfrm>
             <a:off x="180000" y="6840000"/>
-            <a:ext cx="530280" cy="530280"/>
+            <a:ext cx="529920" cy="529920"/>
           </a:xfrm>
           <a:prstGeom prst="rect">
             <a:avLst/>
@@ -12836,7 +12704,7 @@
         <p:spPr>
           <a:xfrm>
             <a:off x="0" y="180000"/>
-            <a:ext cx="9710280" cy="1250280"/>
+            <a:ext cx="9709920" cy="1249920"/>
           </a:xfrm>
           <a:prstGeom prst="rect">
             <a:avLst/>
@@ -12864,7 +12732,7 @@
         <p:spPr>
           <a:xfrm>
             <a:off x="7560000" y="6840000"/>
-            <a:ext cx="2510280" cy="530280"/>
+            <a:ext cx="2509920" cy="529920"/>
           </a:xfrm>
           <a:prstGeom prst="rect">
             <a:avLst/>
@@ -12892,7 +12760,7 @@
         <p:spPr>
           <a:xfrm>
             <a:off x="900000" y="6840000"/>
-            <a:ext cx="6470280" cy="530280"/>
+            <a:ext cx="6469920" cy="529920"/>
           </a:xfrm>
           <a:prstGeom prst="rect">
             <a:avLst/>
@@ -12920,7 +12788,7 @@
         <p:spPr>
           <a:xfrm>
             <a:off x="180000" y="6840000"/>
-            <a:ext cx="530280" cy="530280"/>
+            <a:ext cx="529920" cy="529920"/>
           </a:xfrm>
           <a:prstGeom prst="rect">
             <a:avLst/>
@@ -13209,7 +13077,7 @@
         <p:spPr>
           <a:xfrm>
             <a:off x="360000" y="3330000"/>
-            <a:ext cx="9350280" cy="890280"/>
+            <a:ext cx="9349920" cy="889920"/>
           </a:xfrm>
           <a:prstGeom prst="rect">
             <a:avLst/>
@@ -13261,7 +13129,7 @@
         <p:spPr>
           <a:xfrm>
             <a:off x="540000" y="4680000"/>
-            <a:ext cx="9170280" cy="2510280"/>
+            <a:ext cx="9169920" cy="2509920"/>
           </a:xfrm>
           <a:prstGeom prst="rect">
             <a:avLst/>
@@ -13398,7 +13266,7 @@
         <p:spPr>
           <a:xfrm>
             <a:off x="360000" y="360000"/>
-            <a:ext cx="9350280" cy="890280"/>
+            <a:ext cx="9349920" cy="889920"/>
           </a:xfrm>
           <a:prstGeom prst="rect">
             <a:avLst/>
@@ -13471,7 +13339,7 @@
         <p:spPr>
           <a:xfrm>
             <a:off x="897120" y="6886080"/>
-            <a:ext cx="6437520" cy="355320"/>
+            <a:ext cx="6437160" cy="354960"/>
           </a:xfrm>
           <a:prstGeom prst="rect">
             <a:avLst/>
@@ -13523,7 +13391,7 @@
         <p:spPr>
           <a:xfrm>
             <a:off x="7608600" y="6886080"/>
-            <a:ext cx="2275560" cy="355320"/>
+            <a:ext cx="2275200" cy="354960"/>
           </a:xfrm>
           <a:prstGeom prst="rect">
             <a:avLst/>
@@ -13579,7 +13447,7 @@
         <p:spPr>
           <a:xfrm>
             <a:off x="498960" y="1678320"/>
-            <a:ext cx="9072360" cy="3139560"/>
+            <a:ext cx="9072000" cy="3139200"/>
           </a:xfrm>
           <a:prstGeom prst="rect">
             <a:avLst/>
@@ -13598,7 +13466,7 @@
         <p:spPr>
           <a:xfrm>
             <a:off x="1223280" y="4901760"/>
-            <a:ext cx="7762320" cy="1186920"/>
+            <a:ext cx="7761960" cy="1186920"/>
           </a:xfrm>
           <a:prstGeom prst="rect">
             <a:avLst/>
@@ -13733,7 +13601,7 @@
         <p:spPr>
           <a:xfrm>
             <a:off x="1570320" y="1688400"/>
-            <a:ext cx="7762320" cy="363960"/>
+            <a:ext cx="7761960" cy="363960"/>
           </a:xfrm>
           <a:prstGeom prst="rect">
             <a:avLst/>
@@ -13815,7 +13683,7 @@
         <p:spPr>
           <a:xfrm>
             <a:off x="360000" y="360000"/>
-            <a:ext cx="9349920" cy="889920"/>
+            <a:ext cx="9349560" cy="889560"/>
           </a:xfrm>
           <a:prstGeom prst="rect">
             <a:avLst/>
@@ -13867,7 +13735,7 @@
         <p:spPr>
           <a:xfrm>
             <a:off x="360000" y="1980000"/>
-            <a:ext cx="9169920" cy="4669920"/>
+            <a:ext cx="9169560" cy="4669560"/>
           </a:xfrm>
           <a:prstGeom prst="rect">
             <a:avLst/>
@@ -14142,7 +14010,7 @@
         <p:spPr>
           <a:xfrm>
             <a:off x="897120" y="6886080"/>
-            <a:ext cx="6437160" cy="354960"/>
+            <a:ext cx="6436800" cy="354600"/>
           </a:xfrm>
           <a:prstGeom prst="rect">
             <a:avLst/>
@@ -14194,7 +14062,7 @@
         <p:spPr>
           <a:xfrm>
             <a:off x="7608600" y="6886080"/>
-            <a:ext cx="2275200" cy="354960"/>
+            <a:ext cx="2274840" cy="354600"/>
           </a:xfrm>
           <a:prstGeom prst="rect">
             <a:avLst/>
@@ -14250,7 +14118,7 @@
         <p:spPr>
           <a:xfrm>
             <a:off x="7272000" y="2592000"/>
-            <a:ext cx="2230920" cy="2658960"/>
+            <a:ext cx="2230560" cy="2658600"/>
           </a:xfrm>
           <a:prstGeom prst="rect">
             <a:avLst/>
@@ -14299,7 +14167,7 @@
         <p:spPr>
           <a:xfrm>
             <a:off x="360000" y="360000"/>
-            <a:ext cx="9349920" cy="889920"/>
+            <a:ext cx="9349560" cy="889560"/>
           </a:xfrm>
           <a:prstGeom prst="rect">
             <a:avLst/>
@@ -14351,7 +14219,7 @@
         <p:spPr>
           <a:xfrm>
             <a:off x="360000" y="1980000"/>
-            <a:ext cx="9169920" cy="4669920"/>
+            <a:ext cx="9169560" cy="4669560"/>
           </a:xfrm>
           <a:prstGeom prst="rect">
             <a:avLst/>
@@ -14495,7 +14363,7 @@
         <p:spPr>
           <a:xfrm>
             <a:off x="897120" y="6886080"/>
-            <a:ext cx="6437160" cy="354960"/>
+            <a:ext cx="6436800" cy="354600"/>
           </a:xfrm>
           <a:prstGeom prst="rect">
             <a:avLst/>
@@ -14547,7 +14415,7 @@
         <p:spPr>
           <a:xfrm>
             <a:off x="7608600" y="6886080"/>
-            <a:ext cx="2275200" cy="354960"/>
+            <a:ext cx="2274840" cy="354600"/>
           </a:xfrm>
           <a:prstGeom prst="rect">
             <a:avLst/>
@@ -14603,7 +14471,7 @@
         <p:spPr>
           <a:xfrm>
             <a:off x="7272000" y="2592000"/>
-            <a:ext cx="2230920" cy="2658960"/>
+            <a:ext cx="2230560" cy="2658600"/>
           </a:xfrm>
           <a:prstGeom prst="rect">
             <a:avLst/>
@@ -14626,7 +14494,7 @@
         <p:spPr>
           <a:xfrm>
             <a:off x="3542760" y="2854800"/>
-            <a:ext cx="3045600" cy="3045600"/>
+            <a:ext cx="3045240" cy="3045240"/>
           </a:xfrm>
           <a:prstGeom prst="rect">
             <a:avLst/>
@@ -14675,7 +14543,7 @@
         <p:spPr>
           <a:xfrm>
             <a:off x="360000" y="360000"/>
-            <a:ext cx="9349920" cy="889920"/>
+            <a:ext cx="9349560" cy="889560"/>
           </a:xfrm>
           <a:prstGeom prst="rect">
             <a:avLst/>
@@ -14727,7 +14595,7 @@
         <p:spPr>
           <a:xfrm>
             <a:off x="360000" y="1980000"/>
-            <a:ext cx="9169920" cy="4669920"/>
+            <a:ext cx="9169560" cy="4669560"/>
           </a:xfrm>
           <a:prstGeom prst="rect">
             <a:avLst/>
@@ -14871,7 +14739,7 @@
         <p:spPr>
           <a:xfrm>
             <a:off x="897120" y="6886080"/>
-            <a:ext cx="6437160" cy="354960"/>
+            <a:ext cx="6436800" cy="354600"/>
           </a:xfrm>
           <a:prstGeom prst="rect">
             <a:avLst/>
@@ -14923,7 +14791,7 @@
         <p:spPr>
           <a:xfrm>
             <a:off x="7608600" y="6886080"/>
-            <a:ext cx="2275200" cy="354960"/>
+            <a:ext cx="2274840" cy="354600"/>
           </a:xfrm>
           <a:prstGeom prst="rect">
             <a:avLst/>
@@ -14979,7 +14847,7 @@
         <p:spPr>
           <a:xfrm>
             <a:off x="2016000" y="2362320"/>
-            <a:ext cx="6837840" cy="4115520"/>
+            <a:ext cx="6837480" cy="4115160"/>
           </a:xfrm>
           <a:prstGeom prst="rect">
             <a:avLst/>
@@ -15028,7 +14896,7 @@
         <p:spPr>
           <a:xfrm>
             <a:off x="360000" y="360000"/>
-            <a:ext cx="9349920" cy="889920"/>
+            <a:ext cx="9349560" cy="889560"/>
           </a:xfrm>
           <a:prstGeom prst="rect">
             <a:avLst/>
@@ -15080,7 +14948,7 @@
         <p:spPr>
           <a:xfrm>
             <a:off x="360000" y="1980000"/>
-            <a:ext cx="9169920" cy="4669920"/>
+            <a:ext cx="9169560" cy="4669560"/>
           </a:xfrm>
           <a:prstGeom prst="rect">
             <a:avLst/>
@@ -15281,7 +15149,7 @@
         <p:spPr>
           <a:xfrm>
             <a:off x="897120" y="6886080"/>
-            <a:ext cx="6437160" cy="354960"/>
+            <a:ext cx="6436800" cy="354600"/>
           </a:xfrm>
           <a:prstGeom prst="rect">
             <a:avLst/>
@@ -15333,7 +15201,7 @@
         <p:spPr>
           <a:xfrm>
             <a:off x="7608600" y="6886080"/>
-            <a:ext cx="2275200" cy="354960"/>
+            <a:ext cx="2274840" cy="354600"/>
           </a:xfrm>
           <a:prstGeom prst="rect">
             <a:avLst/>
@@ -15415,7 +15283,7 @@
         <p:spPr>
           <a:xfrm>
             <a:off x="360000" y="360000"/>
-            <a:ext cx="9349920" cy="889920"/>
+            <a:ext cx="9349560" cy="889560"/>
           </a:xfrm>
           <a:prstGeom prst="rect">
             <a:avLst/>
@@ -15467,7 +15335,7 @@
         <p:spPr>
           <a:xfrm>
             <a:off x="360000" y="1980000"/>
-            <a:ext cx="9169920" cy="4669920"/>
+            <a:ext cx="9169560" cy="4669560"/>
           </a:xfrm>
           <a:prstGeom prst="rect">
             <a:avLst/>
@@ -15770,7 +15638,7 @@
         <p:spPr>
           <a:xfrm>
             <a:off x="897120" y="6886080"/>
-            <a:ext cx="6437160" cy="354960"/>
+            <a:ext cx="6436800" cy="354600"/>
           </a:xfrm>
           <a:prstGeom prst="rect">
             <a:avLst/>
@@ -15822,7 +15690,7 @@
         <p:spPr>
           <a:xfrm>
             <a:off x="7608600" y="6886080"/>
-            <a:ext cx="2275200" cy="354960"/>
+            <a:ext cx="2274840" cy="354600"/>
           </a:xfrm>
           <a:prstGeom prst="rect">
             <a:avLst/>
@@ -15904,7 +15772,7 @@
         <p:spPr>
           <a:xfrm>
             <a:off x="360000" y="360000"/>
-            <a:ext cx="9349920" cy="889920"/>
+            <a:ext cx="9349560" cy="889560"/>
           </a:xfrm>
           <a:prstGeom prst="rect">
             <a:avLst/>
@@ -15956,7 +15824,7 @@
         <p:spPr>
           <a:xfrm>
             <a:off x="360000" y="1980000"/>
-            <a:ext cx="9169920" cy="4669920"/>
+            <a:ext cx="9169560" cy="4669560"/>
           </a:xfrm>
           <a:prstGeom prst="rect">
             <a:avLst/>
@@ -16359,7 +16227,7 @@
         <p:spPr>
           <a:xfrm>
             <a:off x="897120" y="6886080"/>
-            <a:ext cx="6437160" cy="354960"/>
+            <a:ext cx="6436800" cy="354600"/>
           </a:xfrm>
           <a:prstGeom prst="rect">
             <a:avLst/>
@@ -16411,7 +16279,7 @@
         <p:spPr>
           <a:xfrm>
             <a:off x="7608600" y="6886080"/>
-            <a:ext cx="2275200" cy="354960"/>
+            <a:ext cx="2274840" cy="354600"/>
           </a:xfrm>
           <a:prstGeom prst="rect">
             <a:avLst/>
@@ -16493,7 +16361,7 @@
         <p:spPr>
           <a:xfrm>
             <a:off x="360000" y="360000"/>
-            <a:ext cx="9349920" cy="889920"/>
+            <a:ext cx="9349560" cy="889560"/>
           </a:xfrm>
           <a:prstGeom prst="rect">
             <a:avLst/>
@@ -16545,7 +16413,7 @@
         <p:spPr>
           <a:xfrm>
             <a:off x="360000" y="1980000"/>
-            <a:ext cx="9169920" cy="4669920"/>
+            <a:ext cx="9169560" cy="4669560"/>
           </a:xfrm>
           <a:prstGeom prst="rect">
             <a:avLst/>
@@ -16969,7 +16837,7 @@
         <p:spPr>
           <a:xfrm>
             <a:off x="897120" y="6886080"/>
-            <a:ext cx="6437160" cy="354960"/>
+            <a:ext cx="6436800" cy="354600"/>
           </a:xfrm>
           <a:prstGeom prst="rect">
             <a:avLst/>
@@ -17021,7 +16889,7 @@
         <p:spPr>
           <a:xfrm>
             <a:off x="7608600" y="6886080"/>
-            <a:ext cx="2275200" cy="354960"/>
+            <a:ext cx="2274840" cy="354600"/>
           </a:xfrm>
           <a:prstGeom prst="rect">
             <a:avLst/>
@@ -17103,7 +16971,7 @@
         <p:spPr>
           <a:xfrm>
             <a:off x="360000" y="360000"/>
-            <a:ext cx="9349920" cy="889920"/>
+            <a:ext cx="9349560" cy="889560"/>
           </a:xfrm>
           <a:prstGeom prst="rect">
             <a:avLst/>
@@ -17155,7 +17023,7 @@
         <p:spPr>
           <a:xfrm>
             <a:off x="360000" y="1980000"/>
-            <a:ext cx="9169920" cy="4669920"/>
+            <a:ext cx="9169560" cy="4669560"/>
           </a:xfrm>
           <a:prstGeom prst="rect">
             <a:avLst/>
@@ -17284,7 +17152,7 @@
         <p:spPr>
           <a:xfrm>
             <a:off x="897120" y="6886080"/>
-            <a:ext cx="6437160" cy="354960"/>
+            <a:ext cx="6436800" cy="354600"/>
           </a:xfrm>
           <a:prstGeom prst="rect">
             <a:avLst/>
@@ -17336,7 +17204,7 @@
         <p:spPr>
           <a:xfrm>
             <a:off x="7608600" y="6886080"/>
-            <a:ext cx="2275200" cy="354960"/>
+            <a:ext cx="2274840" cy="354600"/>
           </a:xfrm>
           <a:prstGeom prst="rect">
             <a:avLst/>
@@ -17392,7 +17260,7 @@
         <p:spPr>
           <a:xfrm>
             <a:off x="513000" y="2116440"/>
-            <a:ext cx="4575960" cy="4142160"/>
+            <a:ext cx="4575600" cy="4141800"/>
           </a:xfrm>
           <a:prstGeom prst="rect">
             <a:avLst/>
@@ -17411,7 +17279,7 @@
         <p:spPr>
           <a:xfrm>
             <a:off x="6098760" y="2130120"/>
-            <a:ext cx="3412440" cy="2903760"/>
+            <a:ext cx="3412080" cy="2903400"/>
           </a:xfrm>
           <a:prstGeom prst="rect">
             <a:avLst/>
@@ -17576,6 +17444,28 @@
               </a:rPr>
               <a:t>20 + 10 / 5 = ?</a:t>
             </a:r>
+            <a:endParaRPr b="0" lang="pt-BR" sz="1800" spc="-1" strike="noStrike">
+              <a:latin typeface="Arial"/>
+            </a:endParaRPr>
+          </a:p>
+          <a:p>
+            <a:pPr>
+              <a:lnSpc>
+                <a:spcPct val="100000"/>
+              </a:lnSpc>
+              <a:buNone/>
+            </a:pPr>
+            <a:endParaRPr b="0" lang="pt-BR" sz="1800" spc="-1" strike="noStrike">
+              <a:latin typeface="Arial"/>
+            </a:endParaRPr>
+          </a:p>
+          <a:p>
+            <a:pPr>
+              <a:lnSpc>
+                <a:spcPct val="100000"/>
+              </a:lnSpc>
+              <a:buNone/>
+            </a:pPr>
             <a:endParaRPr b="0" lang="pt-BR" sz="1800" spc="-1" strike="noStrike">
               <a:latin typeface="Arial"/>
             </a:endParaRPr>
@@ -17643,7 +17533,7 @@
         <p:spPr>
           <a:xfrm>
             <a:off x="360000" y="360000"/>
-            <a:ext cx="9349920" cy="889920"/>
+            <a:ext cx="9349560" cy="889560"/>
           </a:xfrm>
           <a:prstGeom prst="rect">
             <a:avLst/>
@@ -17695,7 +17585,7 @@
         <p:spPr>
           <a:xfrm>
             <a:off x="360000" y="1999440"/>
-            <a:ext cx="9169920" cy="4669920"/>
+            <a:ext cx="9169560" cy="4669560"/>
           </a:xfrm>
           <a:prstGeom prst="rect">
             <a:avLst/>
@@ -18067,7 +17957,7 @@
         <p:spPr>
           <a:xfrm>
             <a:off x="897120" y="6886080"/>
-            <a:ext cx="6437160" cy="354960"/>
+            <a:ext cx="6436800" cy="354600"/>
           </a:xfrm>
           <a:prstGeom prst="rect">
             <a:avLst/>
@@ -18119,7 +18009,7 @@
         <p:spPr>
           <a:xfrm>
             <a:off x="7608600" y="6886080"/>
-            <a:ext cx="2275200" cy="354960"/>
+            <a:ext cx="2274840" cy="354600"/>
           </a:xfrm>
           <a:prstGeom prst="rect">
             <a:avLst/>
@@ -18171,7 +18061,7 @@
         <p:spPr>
           <a:xfrm>
             <a:off x="553320" y="5000400"/>
-            <a:ext cx="1653840" cy="1368000"/>
+            <a:ext cx="1653480" cy="1367640"/>
           </a:xfrm>
           <a:prstGeom prst="rect">
             <a:avLst/>
@@ -18280,7 +18170,7 @@
                 <a:latin typeface="Arial"/>
                 <a:ea typeface="DejaVu Sans"/>
               </a:rPr>
-              <a:t>20 + 10 / 5 = 6</a:t>
+              <a:t>20 + 10 / 5 = </a:t>
             </a:r>
             <a:endParaRPr b="0" lang="pt-BR" sz="1800" spc="-1" strike="noStrike">
               <a:latin typeface="Arial"/>
@@ -18297,7 +18187,7 @@
         <p:spPr>
           <a:xfrm>
             <a:off x="803160" y="2645640"/>
-            <a:ext cx="2065320" cy="236160"/>
+            <a:ext cx="2064960" cy="235800"/>
           </a:xfrm>
           <a:custGeom>
             <a:avLst/>
@@ -18362,7 +18252,7 @@
         <p:spPr>
           <a:xfrm>
             <a:off x="2627640" y="2441160"/>
-            <a:ext cx="262800" cy="203400"/>
+            <a:ext cx="262440" cy="203040"/>
           </a:xfrm>
           <a:prstGeom prst="rect">
             <a:avLst/>
@@ -18411,7 +18301,7 @@
         <p:spPr>
           <a:xfrm>
             <a:off x="360000" y="360000"/>
-            <a:ext cx="9349920" cy="889920"/>
+            <a:ext cx="9349560" cy="889560"/>
           </a:xfrm>
           <a:prstGeom prst="rect">
             <a:avLst/>
@@ -18463,7 +18353,7 @@
         <p:spPr>
           <a:xfrm>
             <a:off x="360000" y="1980000"/>
-            <a:ext cx="9169920" cy="4669920"/>
+            <a:ext cx="9169560" cy="4669560"/>
           </a:xfrm>
           <a:prstGeom prst="rect">
             <a:avLst/>
@@ -18696,7 +18586,7 @@
         <p:spPr>
           <a:xfrm>
             <a:off x="897120" y="6886080"/>
-            <a:ext cx="6437160" cy="354960"/>
+            <a:ext cx="6436800" cy="354600"/>
           </a:xfrm>
           <a:prstGeom prst="rect">
             <a:avLst/>
@@ -18748,7 +18638,7 @@
         <p:spPr>
           <a:xfrm>
             <a:off x="7608600" y="6886080"/>
-            <a:ext cx="2275200" cy="354960"/>
+            <a:ext cx="2274840" cy="354600"/>
           </a:xfrm>
           <a:prstGeom prst="rect">
             <a:avLst/>
@@ -18804,7 +18694,7 @@
         <p:spPr>
           <a:xfrm>
             <a:off x="2700000" y="4397760"/>
-            <a:ext cx="5269320" cy="1866240"/>
+            <a:ext cx="5268960" cy="1865880"/>
           </a:xfrm>
           <a:prstGeom prst="rect">
             <a:avLst/>
@@ -18823,7 +18713,7 @@
         <p:spPr>
           <a:xfrm>
             <a:off x="2700000" y="5970240"/>
-            <a:ext cx="293760" cy="293760"/>
+            <a:ext cx="293400" cy="293400"/>
           </a:xfrm>
           <a:prstGeom prst="ellipse">
             <a:avLst/>
@@ -18883,7 +18773,7 @@
         <p:spPr>
           <a:xfrm>
             <a:off x="360000" y="360000"/>
-            <a:ext cx="9349920" cy="889920"/>
+            <a:ext cx="9349560" cy="889560"/>
           </a:xfrm>
           <a:prstGeom prst="rect">
             <a:avLst/>
@@ -18935,7 +18825,7 @@
         <p:spPr>
           <a:xfrm>
             <a:off x="360000" y="1999440"/>
-            <a:ext cx="9169920" cy="4669920"/>
+            <a:ext cx="9169560" cy="4669560"/>
           </a:xfrm>
           <a:prstGeom prst="rect">
             <a:avLst/>
@@ -19307,7 +19197,7 @@
         <p:spPr>
           <a:xfrm>
             <a:off x="897120" y="6886080"/>
-            <a:ext cx="6437160" cy="354960"/>
+            <a:ext cx="6436800" cy="354600"/>
           </a:xfrm>
           <a:prstGeom prst="rect">
             <a:avLst/>
@@ -19359,7 +19249,7 @@
         <p:spPr>
           <a:xfrm>
             <a:off x="7608600" y="6886080"/>
-            <a:ext cx="2275200" cy="354960"/>
+            <a:ext cx="2274840" cy="354600"/>
           </a:xfrm>
           <a:prstGeom prst="rect">
             <a:avLst/>
@@ -19411,7 +19301,7 @@
         <p:spPr>
           <a:xfrm>
             <a:off x="553320" y="5000400"/>
-            <a:ext cx="1653840" cy="1368000"/>
+            <a:ext cx="1653480" cy="1367640"/>
           </a:xfrm>
           <a:prstGeom prst="rect">
             <a:avLst/>
@@ -19520,7 +19410,7 @@
                 <a:latin typeface="Arial"/>
                 <a:ea typeface="DejaVu Sans"/>
               </a:rPr>
-              <a:t>20 + 10 / 5 = 6</a:t>
+              <a:t>20 + 10 / 5 = </a:t>
             </a:r>
             <a:endParaRPr b="0" lang="pt-BR" sz="1800" spc="-1" strike="noStrike">
               <a:latin typeface="Arial"/>
@@ -19537,7 +19427,7 @@
         <p:spPr>
           <a:xfrm>
             <a:off x="3076200" y="5251680"/>
-            <a:ext cx="1962720" cy="1112040"/>
+            <a:ext cx="1962360" cy="1111680"/>
           </a:xfrm>
           <a:prstGeom prst="rect">
             <a:avLst/>
@@ -19652,7 +19542,7 @@
         <p:spPr>
           <a:xfrm>
             <a:off x="803160" y="2645640"/>
-            <a:ext cx="2065320" cy="236160"/>
+            <a:ext cx="2064960" cy="235800"/>
           </a:xfrm>
           <a:custGeom>
             <a:avLst/>
@@ -19717,7 +19607,7 @@
         <p:spPr>
           <a:xfrm>
             <a:off x="1981080" y="5345280"/>
-            <a:ext cx="182160" cy="160200"/>
+            <a:ext cx="181800" cy="159840"/>
           </a:xfrm>
           <a:prstGeom prst="rect">
             <a:avLst/>
@@ -19740,7 +19630,7 @@
         <p:spPr>
           <a:xfrm>
             <a:off x="2025000" y="5634720"/>
-            <a:ext cx="182160" cy="160200"/>
+            <a:ext cx="181800" cy="159840"/>
           </a:xfrm>
           <a:prstGeom prst="rect">
             <a:avLst/>
@@ -19763,7 +19653,7 @@
         <p:spPr>
           <a:xfrm>
             <a:off x="2057760" y="5934600"/>
-            <a:ext cx="267480" cy="123120"/>
+            <a:ext cx="267120" cy="122760"/>
           </a:xfrm>
           <a:prstGeom prst="rect">
             <a:avLst/>
@@ -19786,7 +19676,7 @@
         <p:spPr>
           <a:xfrm>
             <a:off x="2179440" y="6247800"/>
-            <a:ext cx="267480" cy="123120"/>
+            <a:ext cx="267120" cy="122760"/>
           </a:xfrm>
           <a:prstGeom prst="rect">
             <a:avLst/>
@@ -19805,7 +19695,7 @@
         <p:spPr>
           <a:xfrm>
             <a:off x="2502720" y="5633640"/>
-            <a:ext cx="451800" cy="236160"/>
+            <a:ext cx="451440" cy="235800"/>
           </a:xfrm>
           <a:custGeom>
             <a:avLst/>
@@ -19870,7 +19760,7 @@
         <p:spPr>
           <a:xfrm>
             <a:off x="2627640" y="2441160"/>
-            <a:ext cx="262800" cy="203400"/>
+            <a:ext cx="262440" cy="203040"/>
           </a:xfrm>
           <a:prstGeom prst="rect">
             <a:avLst/>
@@ -19893,7 +19783,7 @@
         <p:spPr>
           <a:xfrm>
             <a:off x="4640760" y="5904000"/>
-            <a:ext cx="182160" cy="160200"/>
+            <a:ext cx="181800" cy="159840"/>
           </a:xfrm>
           <a:prstGeom prst="rect">
             <a:avLst/>
@@ -19916,7 +19806,7 @@
         <p:spPr>
           <a:xfrm>
             <a:off x="4500360" y="5345280"/>
-            <a:ext cx="182160" cy="160200"/>
+            <a:ext cx="181800" cy="159840"/>
           </a:xfrm>
           <a:prstGeom prst="rect">
             <a:avLst/>
@@ -19939,7 +19829,7 @@
         <p:spPr>
           <a:xfrm>
             <a:off x="4860000" y="6203520"/>
-            <a:ext cx="182160" cy="160200"/>
+            <a:ext cx="181800" cy="159840"/>
           </a:xfrm>
           <a:prstGeom prst="rect">
             <a:avLst/>
@@ -19962,7 +19852,7 @@
         <p:spPr>
           <a:xfrm>
             <a:off x="4536000" y="5634720"/>
-            <a:ext cx="182160" cy="160200"/>
+            <a:ext cx="181800" cy="159840"/>
           </a:xfrm>
           <a:prstGeom prst="rect">
             <a:avLst/>
@@ -20011,7 +19901,7 @@
         <p:spPr>
           <a:xfrm>
             <a:off x="360000" y="360000"/>
-            <a:ext cx="9349920" cy="889920"/>
+            <a:ext cx="9349560" cy="889560"/>
           </a:xfrm>
           <a:prstGeom prst="rect">
             <a:avLst/>
@@ -20063,7 +19953,7 @@
         <p:spPr>
           <a:xfrm>
             <a:off x="360000" y="1999440"/>
-            <a:ext cx="9169920" cy="4669920"/>
+            <a:ext cx="9169560" cy="4669560"/>
           </a:xfrm>
           <a:prstGeom prst="rect">
             <a:avLst/>
@@ -20435,7 +20325,7 @@
         <p:spPr>
           <a:xfrm>
             <a:off x="897120" y="6886080"/>
-            <a:ext cx="6437160" cy="354960"/>
+            <a:ext cx="6436800" cy="354600"/>
           </a:xfrm>
           <a:prstGeom prst="rect">
             <a:avLst/>
@@ -20487,7 +20377,7 @@
         <p:spPr>
           <a:xfrm>
             <a:off x="7608600" y="6886080"/>
-            <a:ext cx="2275200" cy="354960"/>
+            <a:ext cx="2274840" cy="354600"/>
           </a:xfrm>
           <a:prstGeom prst="rect">
             <a:avLst/>
@@ -20539,7 +20429,7 @@
         <p:spPr>
           <a:xfrm>
             <a:off x="803160" y="2645640"/>
-            <a:ext cx="2065320" cy="236160"/>
+            <a:ext cx="2064960" cy="235800"/>
           </a:xfrm>
           <a:custGeom>
             <a:avLst/>
@@ -20600,7 +20490,7 @@
         <p:spPr>
           <a:xfrm>
             <a:off x="5165280" y="5328000"/>
-            <a:ext cx="3694680" cy="1051560"/>
+            <a:ext cx="3694320" cy="1051200"/>
           </a:xfrm>
           <a:prstGeom prst="rect">
             <a:avLst/>
@@ -20713,7 +20603,7 @@
         <p:spPr>
           <a:xfrm>
             <a:off x="6904440" y="5906160"/>
-            <a:ext cx="149760" cy="159120"/>
+            <a:ext cx="149400" cy="158760"/>
           </a:xfrm>
           <a:prstGeom prst="rect">
             <a:avLst/>
@@ -20736,7 +20626,7 @@
         <p:spPr>
           <a:xfrm>
             <a:off x="6976440" y="6194160"/>
-            <a:ext cx="149760" cy="159120"/>
+            <a:ext cx="149400" cy="158760"/>
           </a:xfrm>
           <a:prstGeom prst="rect">
             <a:avLst/>
@@ -20759,7 +20649,7 @@
         <p:spPr>
           <a:xfrm>
             <a:off x="2627640" y="2441160"/>
-            <a:ext cx="263520" cy="204120"/>
+            <a:ext cx="263160" cy="203760"/>
           </a:xfrm>
           <a:prstGeom prst="rect">
             <a:avLst/>
@@ -20778,7 +20668,7 @@
         <p:spPr>
           <a:xfrm>
             <a:off x="553320" y="5000760"/>
-            <a:ext cx="1653840" cy="1368000"/>
+            <a:ext cx="1653480" cy="1367640"/>
           </a:xfrm>
           <a:prstGeom prst="rect">
             <a:avLst/>
@@ -20887,7 +20777,7 @@
                 <a:latin typeface="Arial"/>
                 <a:ea typeface="DejaVu Sans"/>
               </a:rPr>
-              <a:t>20 + 10 / 5 = 6</a:t>
+              <a:t>20 + 10 / 5 = </a:t>
             </a:r>
             <a:endParaRPr b="0" lang="pt-BR" sz="1800" spc="-1" strike="noStrike">
               <a:latin typeface="Arial"/>
@@ -20904,7 +20794,7 @@
         <p:spPr>
           <a:xfrm>
             <a:off x="3076200" y="5252040"/>
-            <a:ext cx="1962720" cy="1112040"/>
+            <a:ext cx="1962360" cy="1111680"/>
           </a:xfrm>
           <a:prstGeom prst="rect">
             <a:avLst/>
@@ -21023,7 +20913,7 @@
         <p:spPr>
           <a:xfrm>
             <a:off x="1981080" y="5345640"/>
-            <a:ext cx="182160" cy="160200"/>
+            <a:ext cx="181800" cy="159840"/>
           </a:xfrm>
           <a:prstGeom prst="rect">
             <a:avLst/>
@@ -21046,7 +20936,7 @@
         <p:spPr>
           <a:xfrm>
             <a:off x="2025000" y="5635080"/>
-            <a:ext cx="182160" cy="160200"/>
+            <a:ext cx="181800" cy="159840"/>
           </a:xfrm>
           <a:prstGeom prst="rect">
             <a:avLst/>
@@ -21069,7 +20959,7 @@
         <p:spPr>
           <a:xfrm>
             <a:off x="2057760" y="5934960"/>
-            <a:ext cx="267480" cy="123120"/>
+            <a:ext cx="267120" cy="122760"/>
           </a:xfrm>
           <a:prstGeom prst="rect">
             <a:avLst/>
@@ -21092,7 +20982,7 @@
         <p:spPr>
           <a:xfrm>
             <a:off x="2179440" y="6248160"/>
-            <a:ext cx="267480" cy="123120"/>
+            <a:ext cx="267120" cy="122760"/>
           </a:xfrm>
           <a:prstGeom prst="rect">
             <a:avLst/>
@@ -21111,7 +21001,7 @@
         <p:spPr>
           <a:xfrm>
             <a:off x="2502720" y="5634000"/>
-            <a:ext cx="451800" cy="236160"/>
+            <a:ext cx="451440" cy="235800"/>
           </a:xfrm>
           <a:custGeom>
             <a:avLst/>
@@ -21176,7 +21066,7 @@
         <p:spPr>
           <a:xfrm>
             <a:off x="4640760" y="5904360"/>
-            <a:ext cx="182160" cy="160200"/>
+            <a:ext cx="181800" cy="159840"/>
           </a:xfrm>
           <a:prstGeom prst="rect">
             <a:avLst/>
@@ -21199,7 +21089,7 @@
         <p:spPr>
           <a:xfrm>
             <a:off x="4500360" y="5345640"/>
-            <a:ext cx="182160" cy="160200"/>
+            <a:ext cx="181800" cy="159840"/>
           </a:xfrm>
           <a:prstGeom prst="rect">
             <a:avLst/>
@@ -21222,7 +21112,7 @@
         <p:spPr>
           <a:xfrm>
             <a:off x="4860000" y="6203880"/>
-            <a:ext cx="182160" cy="160200"/>
+            <a:ext cx="181800" cy="159840"/>
           </a:xfrm>
           <a:prstGeom prst="rect">
             <a:avLst/>
@@ -21245,7 +21135,7 @@
         <p:spPr>
           <a:xfrm>
             <a:off x="4536000" y="5635080"/>
-            <a:ext cx="182160" cy="160200"/>
+            <a:ext cx="181800" cy="159840"/>
           </a:xfrm>
           <a:prstGeom prst="rect">
             <a:avLst/>
@@ -21294,7 +21184,7 @@
         <p:spPr>
           <a:xfrm>
             <a:off x="360000" y="360000"/>
-            <a:ext cx="9349920" cy="889920"/>
+            <a:ext cx="9349560" cy="889560"/>
           </a:xfrm>
           <a:prstGeom prst="rect">
             <a:avLst/>
@@ -21329,7 +21219,7 @@
                 <a:latin typeface="Latin Modern Sans"/>
                 <a:ea typeface="DejaVu Sans"/>
               </a:rPr>
-              <a:t>Exercícios</a:t>
+              <a:t>Let’s Code!</a:t>
             </a:r>
             <a:endParaRPr b="0" lang="pt-BR" sz="2600" spc="-1" strike="noStrike">
               <a:latin typeface="Arial"/>
@@ -21346,7 +21236,7 @@
         <p:spPr>
           <a:xfrm>
             <a:off x="360000" y="1980000"/>
-            <a:ext cx="9169920" cy="4669920"/>
+            <a:ext cx="9169560" cy="4669560"/>
           </a:xfrm>
           <a:prstGeom prst="rect">
             <a:avLst/>
@@ -21703,7 +21593,7 @@
         <p:spPr>
           <a:xfrm>
             <a:off x="897120" y="6886080"/>
-            <a:ext cx="6437160" cy="354960"/>
+            <a:ext cx="6436800" cy="354600"/>
           </a:xfrm>
           <a:prstGeom prst="rect">
             <a:avLst/>
@@ -21755,7 +21645,7 @@
         <p:spPr>
           <a:xfrm>
             <a:off x="7608600" y="6886080"/>
-            <a:ext cx="2275200" cy="354960"/>
+            <a:ext cx="2274840" cy="354600"/>
           </a:xfrm>
           <a:prstGeom prst="rect">
             <a:avLst/>
@@ -21837,7 +21727,7 @@
         <p:spPr>
           <a:xfrm>
             <a:off x="360000" y="360000"/>
-            <a:ext cx="9349920" cy="889920"/>
+            <a:ext cx="9349560" cy="889560"/>
           </a:xfrm>
           <a:prstGeom prst="rect">
             <a:avLst/>
@@ -21872,7 +21762,7 @@
                 <a:latin typeface="Latin Modern Sans"/>
                 <a:ea typeface="DejaVu Sans"/>
               </a:rPr>
-              <a:t>Exercícios</a:t>
+              <a:t>Let’s Code!</a:t>
             </a:r>
             <a:endParaRPr b="0" lang="pt-BR" sz="2600" spc="-1" strike="noStrike">
               <a:latin typeface="Arial"/>
@@ -21889,7 +21779,7 @@
         <p:spPr>
           <a:xfrm>
             <a:off x="360000" y="1980000"/>
-            <a:ext cx="9169920" cy="4669920"/>
+            <a:ext cx="9169560" cy="4669560"/>
           </a:xfrm>
           <a:prstGeom prst="rect">
             <a:avLst/>
@@ -22304,7 +22194,7 @@
         <p:spPr>
           <a:xfrm>
             <a:off x="897120" y="6886080"/>
-            <a:ext cx="6437160" cy="354960"/>
+            <a:ext cx="6436800" cy="354600"/>
           </a:xfrm>
           <a:prstGeom prst="rect">
             <a:avLst/>
@@ -22356,7 +22246,7 @@
         <p:spPr>
           <a:xfrm>
             <a:off x="7608600" y="6886080"/>
-            <a:ext cx="2275200" cy="354960"/>
+            <a:ext cx="2274840" cy="354600"/>
           </a:xfrm>
           <a:prstGeom prst="rect">
             <a:avLst/>
@@ -22438,7 +22328,7 @@
         <p:spPr>
           <a:xfrm>
             <a:off x="360000" y="360000"/>
-            <a:ext cx="9349920" cy="889920"/>
+            <a:ext cx="9349560" cy="889560"/>
           </a:xfrm>
           <a:prstGeom prst="rect">
             <a:avLst/>
@@ -22490,7 +22380,7 @@
         <p:spPr>
           <a:xfrm>
             <a:off x="360000" y="1980000"/>
-            <a:ext cx="9169920" cy="4669920"/>
+            <a:ext cx="9169560" cy="4669560"/>
           </a:xfrm>
           <a:prstGeom prst="rect">
             <a:avLst/>
@@ -22951,7 +22841,7 @@
         <p:spPr>
           <a:xfrm>
             <a:off x="897120" y="6886080"/>
-            <a:ext cx="6437160" cy="354960"/>
+            <a:ext cx="6436800" cy="354600"/>
           </a:xfrm>
           <a:prstGeom prst="rect">
             <a:avLst/>
@@ -23003,7 +22893,7 @@
         <p:spPr>
           <a:xfrm>
             <a:off x="7608600" y="6886080"/>
-            <a:ext cx="2275200" cy="354960"/>
+            <a:ext cx="2274840" cy="354600"/>
           </a:xfrm>
           <a:prstGeom prst="rect">
             <a:avLst/>
@@ -23078,14 +22968,14 @@
       </p:grpSpPr>
       <p:sp>
         <p:nvSpPr>
-          <p:cNvPr id="356" name="CustomShape 18"/>
+          <p:cNvPr id="356" name="CustomShape 89"/>
           <p:cNvSpPr/>
           <p:nvPr/>
         </p:nvSpPr>
         <p:spPr>
           <a:xfrm>
             <a:off x="360000" y="360000"/>
-            <a:ext cx="9349920" cy="889920"/>
+            <a:ext cx="9349560" cy="889560"/>
           </a:xfrm>
           <a:prstGeom prst="rect">
             <a:avLst/>
@@ -23113,31 +23003,31 @@
               <a:buNone/>
             </a:pPr>
             <a:r>
-              <a:rPr b="1" lang="pt-BR" sz="2600" spc="-1" strike="noStrike">
+              <a:rPr b="1" lang="pt-BR" sz="3200" spc="-1" strike="noStrike">
                 <a:solidFill>
                   <a:srgbClr val="ffffff"/>
                 </a:solidFill>
                 <a:latin typeface="Latin Modern Sans"/>
                 <a:ea typeface="DejaVu Sans"/>
               </a:rPr>
-              <a:t>Let’s Code</a:t>
-            </a:r>
-            <a:endParaRPr b="0" lang="pt-BR" sz="2600" spc="-1" strike="noStrike">
-              <a:latin typeface="Arial"/>
-            </a:endParaRPr>
-          </a:p>
-        </p:txBody>
-      </p:sp>
-      <p:sp>
-        <p:nvSpPr>
-          <p:cNvPr id="357" name="CustomShape 62"/>
+              <a:t>Considerações Finais</a:t>
+            </a:r>
+            <a:endParaRPr b="0" lang="pt-BR" sz="3200" spc="-1" strike="noStrike">
+              <a:latin typeface="Arial"/>
+            </a:endParaRPr>
+          </a:p>
+        </p:txBody>
+      </p:sp>
+      <p:sp>
+        <p:nvSpPr>
+          <p:cNvPr id="357" name="CustomShape 90"/>
           <p:cNvSpPr/>
           <p:nvPr/>
         </p:nvSpPr>
         <p:spPr>
           <a:xfrm>
             <a:off x="360000" y="1980000"/>
-            <a:ext cx="9169920" cy="4669920"/>
+            <a:ext cx="9169560" cy="4669560"/>
           </a:xfrm>
           <a:prstGeom prst="rect">
             <a:avLst/>
@@ -23167,16 +23057,134 @@
               </a:spcAft>
               <a:buNone/>
             </a:pPr>
-            <a:r>
-              <a:rPr b="0" lang="pt-BR" sz="1600" spc="-1" strike="noStrike">
+            <a:endParaRPr b="0" lang="pt-BR" sz="1600" spc="-1" strike="noStrike">
+              <a:latin typeface="Arial"/>
+            </a:endParaRPr>
+          </a:p>
+          <a:p>
+            <a:pPr>
+              <a:lnSpc>
+                <a:spcPct val="100000"/>
+              </a:lnSpc>
+              <a:spcAft>
+                <a:spcPts val="1140"/>
+              </a:spcAft>
+              <a:buNone/>
+            </a:pPr>
+            <a:endParaRPr b="0" lang="pt-BR" sz="1600" spc="-1" strike="noStrike">
+              <a:latin typeface="Arial"/>
+            </a:endParaRPr>
+          </a:p>
+          <a:p>
+            <a:pPr>
+              <a:lnSpc>
+                <a:spcPct val="100000"/>
+              </a:lnSpc>
+              <a:spcAft>
+                <a:spcPts val="1140"/>
+              </a:spcAft>
+              <a:buNone/>
+            </a:pPr>
+            <a:endParaRPr b="0" lang="pt-BR" sz="1600" spc="-1" strike="noStrike">
+              <a:latin typeface="Arial"/>
+            </a:endParaRPr>
+          </a:p>
+          <a:p>
+            <a:pPr algn="ctr">
+              <a:lnSpc>
+                <a:spcPct val="100000"/>
+              </a:lnSpc>
+              <a:spcAft>
+                <a:spcPts val="1140"/>
+              </a:spcAft>
+              <a:buNone/>
+            </a:pPr>
+            <a:r>
+              <a:rPr b="0" lang="pt-BR" sz="2100" spc="-1" strike="noStrike">
                 <a:solidFill>
                   <a:srgbClr val="1c1c1c"/>
                 </a:solidFill>
                 <a:latin typeface="Latin Modern Sans"/>
                 <a:ea typeface="DejaVu Sans"/>
               </a:rPr>
-              <a:t>Agora vamos desenvolver nossos primeiros algoritmos em linguagem python!</a:t>
-            </a:r>
+              <a:t>“</a:t>
+            </a:r>
+            <a:r>
+              <a:rPr b="0" lang="pt-BR" sz="2100" spc="-1" strike="noStrike">
+                <a:solidFill>
+                  <a:srgbClr val="1c1c1c"/>
+                </a:solidFill>
+                <a:latin typeface="Latin Modern Sans"/>
+                <a:ea typeface="DejaVu Sans"/>
+              </a:rPr>
+              <a:t>Não é sobre programar, não é sobre Python. É sobre lógica” </a:t>
+            </a:r>
+            <a:endParaRPr b="0" lang="pt-BR" sz="2100" spc="-1" strike="noStrike">
+              <a:latin typeface="Arial"/>
+            </a:endParaRPr>
+          </a:p>
+          <a:p>
+            <a:pPr algn="ctr">
+              <a:lnSpc>
+                <a:spcPct val="100000"/>
+              </a:lnSpc>
+              <a:spcAft>
+                <a:spcPts val="1140"/>
+              </a:spcAft>
+              <a:buNone/>
+            </a:pPr>
+            <a:r>
+              <a:rPr b="0" lang="pt-BR" sz="2100" spc="-1" strike="noStrike">
+                <a:solidFill>
+                  <a:srgbClr val="1c1c1c"/>
+                </a:solidFill>
+                <a:latin typeface="Latin Modern Sans"/>
+                <a:ea typeface="DejaVu Sans"/>
+              </a:rPr>
+              <a:t>[Desconhecido]</a:t>
+            </a:r>
+            <a:endParaRPr b="0" lang="pt-BR" sz="2100" spc="-1" strike="noStrike">
+              <a:latin typeface="Arial"/>
+            </a:endParaRPr>
+          </a:p>
+          <a:p>
+            <a:pPr>
+              <a:lnSpc>
+                <a:spcPct val="100000"/>
+              </a:lnSpc>
+              <a:spcAft>
+                <a:spcPts val="1140"/>
+              </a:spcAft>
+              <a:buNone/>
+            </a:pPr>
+            <a:endParaRPr b="0" lang="pt-BR" sz="1600" spc="-1" strike="noStrike">
+              <a:latin typeface="Arial"/>
+            </a:endParaRPr>
+          </a:p>
+          <a:p>
+            <a:pPr>
+              <a:lnSpc>
+                <a:spcPct val="100000"/>
+              </a:lnSpc>
+              <a:spcAft>
+                <a:spcPts val="1140"/>
+              </a:spcAft>
+              <a:buNone/>
+            </a:pPr>
+            <a:endParaRPr b="0" lang="pt-BR" sz="1600" spc="-1" strike="noStrike">
+              <a:latin typeface="Arial"/>
+            </a:endParaRPr>
+          </a:p>
+          <a:p>
+            <a:pPr>
+              <a:lnSpc>
+                <a:spcPct val="100000"/>
+              </a:lnSpc>
+              <a:spcAft>
+                <a:spcPts val="1140"/>
+              </a:spcAft>
+              <a:buNone/>
+            </a:pPr>
             <a:endParaRPr b="0" lang="pt-BR" sz="1600" spc="-1" strike="noStrike">
               <a:latin typeface="Arial"/>
             </a:endParaRPr>
@@ -23433,14 +23441,14 @@
       </p:sp>
       <p:sp>
         <p:nvSpPr>
-          <p:cNvPr id="358" name="CustomShape 63"/>
+          <p:cNvPr id="358" name="CustomShape 91"/>
           <p:cNvSpPr/>
           <p:nvPr/>
         </p:nvSpPr>
         <p:spPr>
           <a:xfrm>
             <a:off x="897120" y="6886080"/>
-            <a:ext cx="6437160" cy="354960"/>
+            <a:ext cx="6436800" cy="354600"/>
           </a:xfrm>
           <a:prstGeom prst="rect">
             <a:avLst/>
@@ -23485,621 +23493,14 @@
       </p:sp>
       <p:sp>
         <p:nvSpPr>
-          <p:cNvPr id="359" name="CustomShape 87"/>
+          <p:cNvPr id="359" name="CustomShape 92"/>
           <p:cNvSpPr/>
           <p:nvPr/>
         </p:nvSpPr>
         <p:spPr>
           <a:xfrm>
             <a:off x="7608600" y="6886080"/>
-            <a:ext cx="2275200" cy="354960"/>
-          </a:xfrm>
-          <a:prstGeom prst="rect">
-            <a:avLst/>
-          </a:prstGeom>
-          <a:noFill/>
-          <a:ln w="0">
-            <a:noFill/>
-          </a:ln>
-        </p:spPr>
-        <p:style>
-          <a:lnRef idx="0"/>
-          <a:fillRef idx="0"/>
-          <a:effectRef idx="0"/>
-          <a:fontRef idx="minor"/>
-        </p:style>
-        <p:txBody>
-          <a:bodyPr lIns="90000" rIns="90000" tIns="45000" bIns="45000" anchor="t">
-            <a:noAutofit/>
-          </a:bodyPr>
-          <a:p>
-            <a:pPr>
-              <a:lnSpc>
-                <a:spcPct val="100000"/>
-              </a:lnSpc>
-              <a:buNone/>
-            </a:pPr>
-            <a:r>
-              <a:rPr b="0" lang="pt-BR" sz="1800" spc="-1" strike="noStrike">
-                <a:solidFill>
-                  <a:srgbClr val="000000"/>
-                </a:solidFill>
-                <a:latin typeface="Arial"/>
-                <a:ea typeface="DejaVu Sans"/>
-              </a:rPr>
-              <a:t>Tópico 01</a:t>
-            </a:r>
-            <a:endParaRPr b="0" lang="pt-BR" sz="1800" spc="-1" strike="noStrike">
-              <a:latin typeface="Arial"/>
-            </a:endParaRPr>
-          </a:p>
-        </p:txBody>
-      </p:sp>
-    </p:spTree>
-  </p:cSld>
-  <mc:AlternateContent>
-    <mc:Choice Requires="p14">
-      <p:transition spd="slow" p14:dur="2000"/>
-    </mc:Choice>
-    <mc:Fallback>
-      <p:transition spd="slow"/>
-    </mc:Fallback>
-  </mc:AlternateContent>
-</p:sld>
-</file>
-
-<file path=ppt/slides/slide26.xml><?xml version="1.0" encoding="utf-8"?>
-<p:sld xmlns:a="http://schemas.openxmlformats.org/drawingml/2006/main" xmlns:p="http://schemas.openxmlformats.org/presentationml/2006/main" xmlns:r="http://schemas.openxmlformats.org/officeDocument/2006/relationships" xmlns:p14="http://schemas.microsoft.com/office/powerpoint/2010/main" xmlns:p15="http://schemas.microsoft.com/office/powerpoint/2012/main" xmlns:mc="http://schemas.openxmlformats.org/markup-compatibility/2006">
-  <p:cSld>
-    <p:spTree>
-      <p:nvGrpSpPr>
-        <p:cNvPr id="1" name=""/>
-        <p:cNvGrpSpPr/>
-        <p:nvPr/>
-      </p:nvGrpSpPr>
-      <p:grpSpPr>
-        <a:xfrm>
-          <a:off x="0" y="0"/>
-          <a:ext cx="0" cy="0"/>
-          <a:chOff x="0" y="0"/>
-          <a:chExt cx="0" cy="0"/>
-        </a:xfrm>
-      </p:grpSpPr>
-      <p:sp>
-        <p:nvSpPr>
-          <p:cNvPr id="360" name="CustomShape 89"/>
-          <p:cNvSpPr/>
-          <p:nvPr/>
-        </p:nvSpPr>
-        <p:spPr>
-          <a:xfrm>
-            <a:off x="360000" y="360000"/>
-            <a:ext cx="9349920" cy="889920"/>
-          </a:xfrm>
-          <a:prstGeom prst="rect">
-            <a:avLst/>
-          </a:prstGeom>
-          <a:noFill/>
-          <a:ln w="0">
-            <a:noFill/>
-          </a:ln>
-        </p:spPr>
-        <p:style>
-          <a:lnRef idx="0"/>
-          <a:fillRef idx="0"/>
-          <a:effectRef idx="0"/>
-          <a:fontRef idx="minor"/>
-        </p:style>
-        <p:txBody>
-          <a:bodyPr lIns="0" rIns="0" tIns="0" bIns="0" anchor="b">
-            <a:noAutofit/>
-          </a:bodyPr>
-          <a:p>
-            <a:pPr>
-              <a:lnSpc>
-                <a:spcPct val="100000"/>
-              </a:lnSpc>
-              <a:buNone/>
-            </a:pPr>
-            <a:r>
-              <a:rPr b="1" lang="pt-BR" sz="3200" spc="-1" strike="noStrike">
-                <a:solidFill>
-                  <a:srgbClr val="ffffff"/>
-                </a:solidFill>
-                <a:latin typeface="Latin Modern Sans"/>
-                <a:ea typeface="DejaVu Sans"/>
-              </a:rPr>
-              <a:t>Considerações Finais</a:t>
-            </a:r>
-            <a:endParaRPr b="0" lang="pt-BR" sz="3200" spc="-1" strike="noStrike">
-              <a:latin typeface="Arial"/>
-            </a:endParaRPr>
-          </a:p>
-        </p:txBody>
-      </p:sp>
-      <p:sp>
-        <p:nvSpPr>
-          <p:cNvPr id="361" name="CustomShape 90"/>
-          <p:cNvSpPr/>
-          <p:nvPr/>
-        </p:nvSpPr>
-        <p:spPr>
-          <a:xfrm>
-            <a:off x="360000" y="1980000"/>
-            <a:ext cx="9169920" cy="4669920"/>
-          </a:xfrm>
-          <a:prstGeom prst="rect">
-            <a:avLst/>
-          </a:prstGeom>
-          <a:noFill/>
-          <a:ln w="0">
-            <a:noFill/>
-          </a:ln>
-        </p:spPr>
-        <p:style>
-          <a:lnRef idx="0"/>
-          <a:fillRef idx="0"/>
-          <a:effectRef idx="0"/>
-          <a:fontRef idx="minor"/>
-        </p:style>
-        <p:txBody>
-          <a:bodyPr lIns="0" rIns="0" tIns="0" bIns="0" anchor="t">
-            <a:normAutofit/>
-          </a:bodyPr>
-          <a:p>
-            <a:pPr>
-              <a:lnSpc>
-                <a:spcPct val="100000"/>
-              </a:lnSpc>
-              <a:spcAft>
-                <a:spcPts val="1140"/>
-              </a:spcAft>
-              <a:buNone/>
-            </a:pPr>
-            <a:endParaRPr b="0" lang="pt-BR" sz="1600" spc="-1" strike="noStrike">
-              <a:latin typeface="Arial"/>
-            </a:endParaRPr>
-          </a:p>
-          <a:p>
-            <a:pPr>
-              <a:lnSpc>
-                <a:spcPct val="100000"/>
-              </a:lnSpc>
-              <a:spcAft>
-                <a:spcPts val="1140"/>
-              </a:spcAft>
-              <a:buNone/>
-            </a:pPr>
-            <a:endParaRPr b="0" lang="pt-BR" sz="1600" spc="-1" strike="noStrike">
-              <a:latin typeface="Arial"/>
-            </a:endParaRPr>
-          </a:p>
-          <a:p>
-            <a:pPr>
-              <a:lnSpc>
-                <a:spcPct val="100000"/>
-              </a:lnSpc>
-              <a:spcAft>
-                <a:spcPts val="1140"/>
-              </a:spcAft>
-              <a:buNone/>
-            </a:pPr>
-            <a:endParaRPr b="0" lang="pt-BR" sz="1600" spc="-1" strike="noStrike">
-              <a:latin typeface="Arial"/>
-            </a:endParaRPr>
-          </a:p>
-          <a:p>
-            <a:pPr algn="ctr">
-              <a:lnSpc>
-                <a:spcPct val="100000"/>
-              </a:lnSpc>
-              <a:spcAft>
-                <a:spcPts val="1140"/>
-              </a:spcAft>
-              <a:buNone/>
-            </a:pPr>
-            <a:r>
-              <a:rPr b="0" lang="pt-BR" sz="2100" spc="-1" strike="noStrike">
-                <a:solidFill>
-                  <a:srgbClr val="1c1c1c"/>
-                </a:solidFill>
-                <a:latin typeface="Latin Modern Sans"/>
-                <a:ea typeface="DejaVu Sans"/>
-              </a:rPr>
-              <a:t>“</a:t>
-            </a:r>
-            <a:r>
-              <a:rPr b="0" lang="pt-BR" sz="2100" spc="-1" strike="noStrike">
-                <a:solidFill>
-                  <a:srgbClr val="1c1c1c"/>
-                </a:solidFill>
-                <a:latin typeface="Latin Modern Sans"/>
-                <a:ea typeface="DejaVu Sans"/>
-              </a:rPr>
-              <a:t>Não é sobre programar, não é sobre Python. É sobre lógica” </a:t>
-            </a:r>
-            <a:endParaRPr b="0" lang="pt-BR" sz="2100" spc="-1" strike="noStrike">
-              <a:latin typeface="Arial"/>
-            </a:endParaRPr>
-          </a:p>
-          <a:p>
-            <a:pPr algn="ctr">
-              <a:lnSpc>
-                <a:spcPct val="100000"/>
-              </a:lnSpc>
-              <a:spcAft>
-                <a:spcPts val="1140"/>
-              </a:spcAft>
-              <a:buNone/>
-            </a:pPr>
-            <a:r>
-              <a:rPr b="0" lang="pt-BR" sz="2100" spc="-1" strike="noStrike">
-                <a:solidFill>
-                  <a:srgbClr val="1c1c1c"/>
-                </a:solidFill>
-                <a:latin typeface="Latin Modern Sans"/>
-                <a:ea typeface="DejaVu Sans"/>
-              </a:rPr>
-              <a:t>[Desconhecido]</a:t>
-            </a:r>
-            <a:endParaRPr b="0" lang="pt-BR" sz="2100" spc="-1" strike="noStrike">
-              <a:latin typeface="Arial"/>
-            </a:endParaRPr>
-          </a:p>
-          <a:p>
-            <a:pPr>
-              <a:lnSpc>
-                <a:spcPct val="100000"/>
-              </a:lnSpc>
-              <a:spcAft>
-                <a:spcPts val="1140"/>
-              </a:spcAft>
-              <a:buNone/>
-            </a:pPr>
-            <a:endParaRPr b="0" lang="pt-BR" sz="1600" spc="-1" strike="noStrike">
-              <a:latin typeface="Arial"/>
-            </a:endParaRPr>
-          </a:p>
-          <a:p>
-            <a:pPr>
-              <a:lnSpc>
-                <a:spcPct val="100000"/>
-              </a:lnSpc>
-              <a:spcAft>
-                <a:spcPts val="1140"/>
-              </a:spcAft>
-              <a:buNone/>
-            </a:pPr>
-            <a:endParaRPr b="0" lang="pt-BR" sz="1600" spc="-1" strike="noStrike">
-              <a:latin typeface="Arial"/>
-            </a:endParaRPr>
-          </a:p>
-          <a:p>
-            <a:pPr>
-              <a:lnSpc>
-                <a:spcPct val="100000"/>
-              </a:lnSpc>
-              <a:spcAft>
-                <a:spcPts val="1140"/>
-              </a:spcAft>
-              <a:buNone/>
-            </a:pPr>
-            <a:endParaRPr b="0" lang="pt-BR" sz="1600" spc="-1" strike="noStrike">
-              <a:latin typeface="Arial"/>
-            </a:endParaRPr>
-          </a:p>
-          <a:p>
-            <a:pPr>
-              <a:lnSpc>
-                <a:spcPct val="100000"/>
-              </a:lnSpc>
-              <a:spcAft>
-                <a:spcPts val="1140"/>
-              </a:spcAft>
-              <a:buNone/>
-            </a:pPr>
-            <a:endParaRPr b="0" lang="pt-BR" sz="1600" spc="-1" strike="noStrike">
-              <a:latin typeface="Arial"/>
-            </a:endParaRPr>
-          </a:p>
-          <a:p>
-            <a:pPr>
-              <a:lnSpc>
-                <a:spcPct val="100000"/>
-              </a:lnSpc>
-              <a:spcAft>
-                <a:spcPts val="1140"/>
-              </a:spcAft>
-              <a:buNone/>
-            </a:pPr>
-            <a:endParaRPr b="0" lang="pt-BR" sz="1600" spc="-1" strike="noStrike">
-              <a:latin typeface="Arial"/>
-            </a:endParaRPr>
-          </a:p>
-          <a:p>
-            <a:pPr>
-              <a:lnSpc>
-                <a:spcPct val="100000"/>
-              </a:lnSpc>
-              <a:spcAft>
-                <a:spcPts val="1140"/>
-              </a:spcAft>
-              <a:buNone/>
-            </a:pPr>
-            <a:endParaRPr b="0" lang="pt-BR" sz="1600" spc="-1" strike="noStrike">
-              <a:latin typeface="Arial"/>
-            </a:endParaRPr>
-          </a:p>
-          <a:p>
-            <a:pPr>
-              <a:lnSpc>
-                <a:spcPct val="100000"/>
-              </a:lnSpc>
-              <a:spcAft>
-                <a:spcPts val="1140"/>
-              </a:spcAft>
-              <a:buNone/>
-            </a:pPr>
-            <a:r>
-              <a:rPr b="1" lang="pt-BR" sz="1600" spc="-1" strike="noStrike">
-                <a:solidFill>
-                  <a:srgbClr val="1c1c1c"/>
-                </a:solidFill>
-                <a:latin typeface="Latin Modern Sans"/>
-                <a:ea typeface="DejaVu Sans"/>
-              </a:rPr>
-              <a:t> </a:t>
-            </a:r>
-            <a:endParaRPr b="0" lang="pt-BR" sz="1600" spc="-1" strike="noStrike">
-              <a:latin typeface="Arial"/>
-            </a:endParaRPr>
-          </a:p>
-          <a:p>
-            <a:pPr>
-              <a:lnSpc>
-                <a:spcPct val="100000"/>
-              </a:lnSpc>
-              <a:spcAft>
-                <a:spcPts val="1140"/>
-              </a:spcAft>
-              <a:buNone/>
-            </a:pPr>
-            <a:endParaRPr b="0" lang="pt-BR" sz="1600" spc="-1" strike="noStrike">
-              <a:latin typeface="Arial"/>
-            </a:endParaRPr>
-          </a:p>
-          <a:p>
-            <a:pPr>
-              <a:lnSpc>
-                <a:spcPct val="100000"/>
-              </a:lnSpc>
-              <a:spcAft>
-                <a:spcPts val="1140"/>
-              </a:spcAft>
-              <a:buNone/>
-            </a:pPr>
-            <a:endParaRPr b="0" lang="pt-BR" sz="1600" spc="-1" strike="noStrike">
-              <a:latin typeface="Arial"/>
-            </a:endParaRPr>
-          </a:p>
-          <a:p>
-            <a:pPr>
-              <a:lnSpc>
-                <a:spcPct val="100000"/>
-              </a:lnSpc>
-              <a:spcAft>
-                <a:spcPts val="1140"/>
-              </a:spcAft>
-              <a:buNone/>
-            </a:pPr>
-            <a:endParaRPr b="0" lang="pt-BR" sz="1600" spc="-1" strike="noStrike">
-              <a:latin typeface="Arial"/>
-            </a:endParaRPr>
-          </a:p>
-          <a:p>
-            <a:pPr>
-              <a:lnSpc>
-                <a:spcPct val="100000"/>
-              </a:lnSpc>
-              <a:spcAft>
-                <a:spcPts val="1140"/>
-              </a:spcAft>
-              <a:buNone/>
-            </a:pPr>
-            <a:endParaRPr b="0" lang="pt-BR" sz="1600" spc="-1" strike="noStrike">
-              <a:latin typeface="Arial"/>
-            </a:endParaRPr>
-          </a:p>
-          <a:p>
-            <a:pPr>
-              <a:lnSpc>
-                <a:spcPct val="100000"/>
-              </a:lnSpc>
-              <a:spcAft>
-                <a:spcPts val="1140"/>
-              </a:spcAft>
-              <a:buNone/>
-            </a:pPr>
-            <a:endParaRPr b="0" lang="pt-BR" sz="1600" spc="-1" strike="noStrike">
-              <a:latin typeface="Arial"/>
-            </a:endParaRPr>
-          </a:p>
-          <a:p>
-            <a:pPr>
-              <a:lnSpc>
-                <a:spcPct val="100000"/>
-              </a:lnSpc>
-              <a:spcAft>
-                <a:spcPts val="1140"/>
-              </a:spcAft>
-              <a:buNone/>
-            </a:pPr>
-            <a:endParaRPr b="0" lang="pt-BR" sz="1600" spc="-1" strike="noStrike">
-              <a:latin typeface="Arial"/>
-            </a:endParaRPr>
-          </a:p>
-          <a:p>
-            <a:pPr>
-              <a:lnSpc>
-                <a:spcPct val="100000"/>
-              </a:lnSpc>
-              <a:spcAft>
-                <a:spcPts val="1140"/>
-              </a:spcAft>
-              <a:buNone/>
-            </a:pPr>
-            <a:endParaRPr b="0" lang="pt-BR" sz="1600" spc="-1" strike="noStrike">
-              <a:latin typeface="Arial"/>
-            </a:endParaRPr>
-          </a:p>
-          <a:p>
-            <a:pPr>
-              <a:lnSpc>
-                <a:spcPct val="100000"/>
-              </a:lnSpc>
-              <a:spcAft>
-                <a:spcPts val="1140"/>
-              </a:spcAft>
-              <a:buNone/>
-            </a:pPr>
-            <a:endParaRPr b="0" lang="pt-BR" sz="1600" spc="-1" strike="noStrike">
-              <a:latin typeface="Arial"/>
-            </a:endParaRPr>
-          </a:p>
-          <a:p>
-            <a:pPr>
-              <a:lnSpc>
-                <a:spcPct val="100000"/>
-              </a:lnSpc>
-              <a:spcAft>
-                <a:spcPts val="1140"/>
-              </a:spcAft>
-              <a:buNone/>
-            </a:pPr>
-            <a:endParaRPr b="0" lang="pt-BR" sz="1600" spc="-1" strike="noStrike">
-              <a:latin typeface="Arial"/>
-            </a:endParaRPr>
-          </a:p>
-          <a:p>
-            <a:pPr>
-              <a:lnSpc>
-                <a:spcPct val="100000"/>
-              </a:lnSpc>
-              <a:spcAft>
-                <a:spcPts val="1140"/>
-              </a:spcAft>
-              <a:buNone/>
-            </a:pPr>
-            <a:endParaRPr b="0" lang="pt-BR" sz="1600" spc="-1" strike="noStrike">
-              <a:latin typeface="Arial"/>
-            </a:endParaRPr>
-          </a:p>
-          <a:p>
-            <a:pPr>
-              <a:lnSpc>
-                <a:spcPct val="100000"/>
-              </a:lnSpc>
-              <a:spcAft>
-                <a:spcPts val="1140"/>
-              </a:spcAft>
-              <a:buNone/>
-            </a:pPr>
-            <a:endParaRPr b="0" lang="pt-BR" sz="1600" spc="-1" strike="noStrike">
-              <a:latin typeface="Arial"/>
-            </a:endParaRPr>
-          </a:p>
-          <a:p>
-            <a:pPr>
-              <a:lnSpc>
-                <a:spcPct val="100000"/>
-              </a:lnSpc>
-              <a:spcAft>
-                <a:spcPts val="1140"/>
-              </a:spcAft>
-              <a:buNone/>
-            </a:pPr>
-            <a:endParaRPr b="0" lang="pt-BR" sz="1600" spc="-1" strike="noStrike">
-              <a:latin typeface="Arial"/>
-            </a:endParaRPr>
-          </a:p>
-          <a:p>
-            <a:pPr marL="7560">
-              <a:lnSpc>
-                <a:spcPct val="100000"/>
-              </a:lnSpc>
-              <a:spcAft>
-                <a:spcPts val="1140"/>
-              </a:spcAft>
-              <a:buNone/>
-            </a:pPr>
-            <a:endParaRPr b="0" lang="pt-BR" sz="1600" spc="-1" strike="noStrike">
-              <a:latin typeface="Arial"/>
-            </a:endParaRPr>
-          </a:p>
-        </p:txBody>
-      </p:sp>
-      <p:sp>
-        <p:nvSpPr>
-          <p:cNvPr id="362" name="CustomShape 91"/>
-          <p:cNvSpPr/>
-          <p:nvPr/>
-        </p:nvSpPr>
-        <p:spPr>
-          <a:xfrm>
-            <a:off x="897120" y="6886080"/>
-            <a:ext cx="6437160" cy="354960"/>
-          </a:xfrm>
-          <a:prstGeom prst="rect">
-            <a:avLst/>
-          </a:prstGeom>
-          <a:noFill/>
-          <a:ln w="0">
-            <a:noFill/>
-          </a:ln>
-        </p:spPr>
-        <p:style>
-          <a:lnRef idx="0"/>
-          <a:fillRef idx="0"/>
-          <a:effectRef idx="0"/>
-          <a:fontRef idx="minor"/>
-        </p:style>
-        <p:txBody>
-          <a:bodyPr lIns="90000" rIns="90000" tIns="45000" bIns="45000" anchor="t">
-            <a:noAutofit/>
-          </a:bodyPr>
-          <a:p>
-            <a:pPr>
-              <a:lnSpc>
-                <a:spcPct val="100000"/>
-              </a:lnSpc>
-              <a:buNone/>
-            </a:pPr>
-            <a:r>
-              <a:rPr b="0" lang="pt-BR" sz="1800" spc="-1" strike="noStrike">
-                <a:solidFill>
-                  <a:srgbClr val="000000"/>
-                </a:solidFill>
-                <a:latin typeface="Arial"/>
-                <a:ea typeface="DejaVu Sans"/>
-              </a:rPr>
-              <a:t>Raciocínio Algorítmico - Prof. André Hochuli</a:t>
-            </a:r>
-            <a:endParaRPr b="0" lang="pt-BR" sz="1800" spc="-1" strike="noStrike">
-              <a:latin typeface="Arial"/>
-            </a:endParaRPr>
-          </a:p>
-        </p:txBody>
-      </p:sp>
-      <p:sp>
-        <p:nvSpPr>
-          <p:cNvPr id="363" name="CustomShape 92"/>
-          <p:cNvSpPr/>
-          <p:nvPr/>
-        </p:nvSpPr>
-        <p:spPr>
-          <a:xfrm>
-            <a:off x="7608600" y="6886080"/>
-            <a:ext cx="2275200" cy="354960"/>
+            <a:ext cx="2274840" cy="354600"/>
           </a:xfrm>
           <a:prstGeom prst="rect">
             <a:avLst/>
@@ -24181,7 +23582,7 @@
         <p:spPr>
           <a:xfrm>
             <a:off x="360000" y="360000"/>
-            <a:ext cx="9350280" cy="890280"/>
+            <a:ext cx="9349920" cy="889920"/>
           </a:xfrm>
           <a:prstGeom prst="rect">
             <a:avLst/>
@@ -24233,7 +23634,7 @@
         <p:spPr>
           <a:xfrm>
             <a:off x="360000" y="1627920"/>
-            <a:ext cx="9170280" cy="4670280"/>
+            <a:ext cx="9169920" cy="4669920"/>
           </a:xfrm>
           <a:prstGeom prst="rect">
             <a:avLst/>
@@ -24525,7 +23926,7 @@
         <p:spPr>
           <a:xfrm>
             <a:off x="7560000" y="3216960"/>
-            <a:ext cx="1504440" cy="898200"/>
+            <a:ext cx="1504080" cy="897840"/>
           </a:xfrm>
           <a:prstGeom prst="rect">
             <a:avLst/>
@@ -24686,7 +24087,7 @@
         <p:spPr>
           <a:xfrm>
             <a:off x="7560000" y="1620000"/>
-            <a:ext cx="1504440" cy="1595160"/>
+            <a:ext cx="1504080" cy="1594800"/>
           </a:xfrm>
           <a:prstGeom prst="rect">
             <a:avLst/>
@@ -24705,7 +24106,7 @@
         <p:spPr>
           <a:xfrm>
             <a:off x="897120" y="6886080"/>
-            <a:ext cx="6437520" cy="355320"/>
+            <a:ext cx="6437160" cy="354960"/>
           </a:xfrm>
           <a:prstGeom prst="rect">
             <a:avLst/>
@@ -24757,7 +24158,7 @@
         <p:spPr>
           <a:xfrm>
             <a:off x="7608600" y="6886080"/>
-            <a:ext cx="2275560" cy="355320"/>
+            <a:ext cx="2275200" cy="354960"/>
           </a:xfrm>
           <a:prstGeom prst="rect">
             <a:avLst/>
@@ -24813,7 +24214,7 @@
         <p:spPr>
           <a:xfrm>
             <a:off x="900000" y="4718520"/>
-            <a:ext cx="4115160" cy="2011680"/>
+            <a:ext cx="4114800" cy="2011320"/>
           </a:xfrm>
           <a:prstGeom prst="rect">
             <a:avLst/>
@@ -24837,7 +24238,7 @@
         <p:spPr>
           <a:xfrm>
             <a:off x="5220000" y="4680000"/>
-            <a:ext cx="4858920" cy="2157840"/>
+            <a:ext cx="4858560" cy="2157480"/>
           </a:xfrm>
           <a:prstGeom prst="rect">
             <a:avLst/>
@@ -24886,7 +24287,7 @@
         <p:spPr>
           <a:xfrm>
             <a:off x="360000" y="360000"/>
-            <a:ext cx="9350280" cy="890280"/>
+            <a:ext cx="9349920" cy="889920"/>
           </a:xfrm>
           <a:prstGeom prst="rect">
             <a:avLst/>
@@ -24938,7 +24339,7 @@
         <p:spPr>
           <a:xfrm>
             <a:off x="360000" y="1980000"/>
-            <a:ext cx="9170280" cy="4670280"/>
+            <a:ext cx="9169920" cy="4669920"/>
           </a:xfrm>
           <a:prstGeom prst="rect">
             <a:avLst/>
@@ -25201,7 +24602,7 @@
         <p:spPr>
           <a:xfrm>
             <a:off x="897120" y="6886080"/>
-            <a:ext cx="6437520" cy="355320"/>
+            <a:ext cx="6437160" cy="354960"/>
           </a:xfrm>
           <a:prstGeom prst="rect">
             <a:avLst/>
@@ -25253,7 +24654,7 @@
         <p:spPr>
           <a:xfrm>
             <a:off x="7608600" y="6886080"/>
-            <a:ext cx="2275560" cy="355320"/>
+            <a:ext cx="2275200" cy="354960"/>
           </a:xfrm>
           <a:prstGeom prst="rect">
             <a:avLst/>
@@ -25335,7 +24736,7 @@
         <p:spPr>
           <a:xfrm>
             <a:off x="360000" y="360000"/>
-            <a:ext cx="9350280" cy="890280"/>
+            <a:ext cx="9349920" cy="889920"/>
           </a:xfrm>
           <a:prstGeom prst="rect">
             <a:avLst/>
@@ -25387,7 +24788,7 @@
         <p:spPr>
           <a:xfrm>
             <a:off x="360000" y="1980000"/>
-            <a:ext cx="9170280" cy="4670280"/>
+            <a:ext cx="9169920" cy="4669920"/>
           </a:xfrm>
           <a:prstGeom prst="rect">
             <a:avLst/>
@@ -25633,7 +25034,7 @@
         <p:spPr>
           <a:xfrm>
             <a:off x="897120" y="6886080"/>
-            <a:ext cx="6437520" cy="355320"/>
+            <a:ext cx="6437160" cy="354960"/>
           </a:xfrm>
           <a:prstGeom prst="rect">
             <a:avLst/>
@@ -25685,7 +25086,7 @@
         <p:spPr>
           <a:xfrm>
             <a:off x="7608600" y="6886080"/>
-            <a:ext cx="2275560" cy="355320"/>
+            <a:ext cx="2275200" cy="354960"/>
           </a:xfrm>
           <a:prstGeom prst="rect">
             <a:avLst/>
@@ -25767,7 +25168,7 @@
         <p:spPr>
           <a:xfrm>
             <a:off x="360000" y="360000"/>
-            <a:ext cx="9350280" cy="890280"/>
+            <a:ext cx="9349920" cy="889920"/>
           </a:xfrm>
           <a:prstGeom prst="rect">
             <a:avLst/>
@@ -25819,7 +25220,7 @@
         <p:spPr>
           <a:xfrm>
             <a:off x="897120" y="6886080"/>
-            <a:ext cx="6437520" cy="355320"/>
+            <a:ext cx="6437160" cy="354960"/>
           </a:xfrm>
           <a:prstGeom prst="rect">
             <a:avLst/>
@@ -25871,7 +25272,7 @@
         <p:spPr>
           <a:xfrm>
             <a:off x="7608600" y="6886080"/>
-            <a:ext cx="2275560" cy="355320"/>
+            <a:ext cx="2275200" cy="354960"/>
           </a:xfrm>
           <a:prstGeom prst="rect">
             <a:avLst/>
@@ -25927,7 +25328,7 @@
         <p:spPr>
           <a:xfrm>
             <a:off x="1620000" y="2340000"/>
-            <a:ext cx="6616440" cy="3229920"/>
+            <a:ext cx="6616080" cy="3229560"/>
           </a:xfrm>
           <a:prstGeom prst="rect">
             <a:avLst/>
@@ -26038,7 +25439,7 @@
         <p:spPr>
           <a:xfrm>
             <a:off x="360000" y="360000"/>
-            <a:ext cx="9350280" cy="890280"/>
+            <a:ext cx="9349920" cy="889920"/>
           </a:xfrm>
           <a:prstGeom prst="rect">
             <a:avLst/>
@@ -26090,7 +25491,7 @@
         <p:spPr>
           <a:xfrm>
             <a:off x="897120" y="6886080"/>
-            <a:ext cx="6437520" cy="355320"/>
+            <a:ext cx="6437160" cy="354960"/>
           </a:xfrm>
           <a:prstGeom prst="rect">
             <a:avLst/>
@@ -26142,7 +25543,7 @@
         <p:spPr>
           <a:xfrm>
             <a:off x="7608600" y="6886080"/>
-            <a:ext cx="2275560" cy="355320"/>
+            <a:ext cx="2275200" cy="354960"/>
           </a:xfrm>
           <a:prstGeom prst="rect">
             <a:avLst/>
@@ -26194,7 +25595,7 @@
         <p:spPr>
           <a:xfrm>
             <a:off x="613800" y="1683360"/>
-            <a:ext cx="8924400" cy="4670280"/>
+            <a:ext cx="8924040" cy="4669920"/>
           </a:xfrm>
           <a:prstGeom prst="rect">
             <a:avLst/>
@@ -26527,7 +25928,7 @@
         <p:spPr>
           <a:xfrm>
             <a:off x="360000" y="360000"/>
-            <a:ext cx="9350280" cy="890280"/>
+            <a:ext cx="9349920" cy="889920"/>
           </a:xfrm>
           <a:prstGeom prst="rect">
             <a:avLst/>
@@ -26579,7 +25980,7 @@
         <p:spPr>
           <a:xfrm>
             <a:off x="897120" y="6886080"/>
-            <a:ext cx="6437520" cy="355320"/>
+            <a:ext cx="6437160" cy="354960"/>
           </a:xfrm>
           <a:prstGeom prst="rect">
             <a:avLst/>
@@ -26631,7 +26032,7 @@
         <p:spPr>
           <a:xfrm>
             <a:off x="7608600" y="6886080"/>
-            <a:ext cx="2275560" cy="355320"/>
+            <a:ext cx="2275200" cy="354960"/>
           </a:xfrm>
           <a:prstGeom prst="rect">
             <a:avLst/>
@@ -26687,7 +26088,7 @@
         <p:spPr>
           <a:xfrm>
             <a:off x="2830320" y="1866600"/>
-            <a:ext cx="4410000" cy="4403160"/>
+            <a:ext cx="4409640" cy="4402800"/>
           </a:xfrm>
           <a:prstGeom prst="rect">
             <a:avLst/>
@@ -26705,13 +26106,13 @@
         </p:nvPicPr>
         <p:blipFill>
           <a:blip r:embed="rId2"/>
-          <a:srcRect l="0" t="0" r="0" b="45526"/>
+          <a:srcRect l="0" t="0" r="0" b="45520"/>
           <a:stretch/>
         </p:blipFill>
         <p:spPr>
           <a:xfrm>
             <a:off x="2830320" y="1866600"/>
-            <a:ext cx="4410000" cy="2475720"/>
+            <a:ext cx="4409640" cy="2475360"/>
           </a:xfrm>
           <a:prstGeom prst="rect">
             <a:avLst/>
@@ -26730,7 +26131,7 @@
         <p:spPr>
           <a:xfrm>
             <a:off x="2830320" y="4308120"/>
-            <a:ext cx="4410000" cy="1954080"/>
+            <a:ext cx="4409640" cy="1953720"/>
           </a:xfrm>
           <a:prstGeom prst="actionButtonHelp">
             <a:avLst/>
@@ -26796,7 +26197,7 @@
         <p:spPr>
           <a:xfrm>
             <a:off x="360000" y="360000"/>
-            <a:ext cx="9350280" cy="890280"/>
+            <a:ext cx="9349920" cy="889920"/>
           </a:xfrm>
           <a:prstGeom prst="rect">
             <a:avLst/>
@@ -26848,7 +26249,7 @@
         <p:spPr>
           <a:xfrm>
             <a:off x="897120" y="6886080"/>
-            <a:ext cx="6437520" cy="355320"/>
+            <a:ext cx="6437160" cy="354960"/>
           </a:xfrm>
           <a:prstGeom prst="rect">
             <a:avLst/>
@@ -26900,7 +26301,7 @@
         <p:spPr>
           <a:xfrm>
             <a:off x="7608600" y="6886080"/>
-            <a:ext cx="2275560" cy="355320"/>
+            <a:ext cx="2275200" cy="354960"/>
           </a:xfrm>
           <a:prstGeom prst="rect">
             <a:avLst/>
@@ -26956,7 +26357,7 @@
         <p:spPr>
           <a:xfrm>
             <a:off x="2829960" y="1866600"/>
-            <a:ext cx="4410000" cy="4403160"/>
+            <a:ext cx="4409640" cy="4402800"/>
           </a:xfrm>
           <a:prstGeom prst="rect">
             <a:avLst/>
